--- a/Documentation/Présentation/cubes3Groupe.pptx
+++ b/Documentation/Présentation/cubes3Groupe.pptx
@@ -15324,7 +15324,7 @@
         </p:nvSpPr>
         <p:spPr>
           <a:xfrm>
-            <a:off x="855943" y="1214345"/>
+            <a:off x="855943" y="1438289"/>
             <a:ext cx="10322802" cy="5030877"/>
           </a:xfrm>
         </p:spPr>

--- a/Documentation/Présentation/cubes3Groupe.pptx
+++ b/Documentation/Présentation/cubes3Groupe.pptx
@@ -5,10 +5,10 @@
     <p:sldMasterId id="2147483648" r:id="rId1"/>
   </p:sldMasterIdLst>
   <p:notesMasterIdLst>
-    <p:notesMasterId r:id="rId18"/>
+    <p:notesMasterId r:id="rId21"/>
   </p:notesMasterIdLst>
   <p:handoutMasterIdLst>
-    <p:handoutMasterId r:id="rId19"/>
+    <p:handoutMasterId r:id="rId22"/>
   </p:handoutMasterIdLst>
   <p:sldIdLst>
     <p:sldId id="256" r:id="rId2"/>
@@ -18,15 +18,18 @@
     <p:sldId id="263" r:id="rId6"/>
     <p:sldId id="264" r:id="rId7"/>
     <p:sldId id="265" r:id="rId8"/>
-    <p:sldId id="274" r:id="rId9"/>
+    <p:sldId id="275" r:id="rId9"/>
     <p:sldId id="266" r:id="rId10"/>
     <p:sldId id="267" r:id="rId11"/>
     <p:sldId id="268" r:id="rId12"/>
     <p:sldId id="269" r:id="rId13"/>
     <p:sldId id="270" r:id="rId14"/>
-    <p:sldId id="271" r:id="rId15"/>
-    <p:sldId id="272" r:id="rId16"/>
-    <p:sldId id="273" r:id="rId17"/>
+    <p:sldId id="274" r:id="rId15"/>
+    <p:sldId id="271" r:id="rId16"/>
+    <p:sldId id="276" r:id="rId17"/>
+    <p:sldId id="272" r:id="rId18"/>
+    <p:sldId id="273" r:id="rId19"/>
+    <p:sldId id="277" r:id="rId20"/>
   </p:sldIdLst>
   <p:sldSz cx="12192000" cy="6858000"/>
   <p:notesSz cx="6858000" cy="9144000"/>
@@ -819,7 +822,7 @@
           <a:noFill/>
           <a:extLst>
             <a:ext uri="{909E8E84-426E-40dd-AFC4-6F175D3DCCD1}">
-              <a14:hiddenFill xmlns="" xmlns:a14="http://schemas.microsoft.com/office/drawing/2010/main">
+              <a14:hiddenFill xmlns:a14="http://schemas.microsoft.com/office/drawing/2010/main" xmlns="">
                 <a:solidFill>
                   <a:srgbClr val="FFFFFF"/>
                 </a:solidFill>
@@ -879,7 +882,7 @@
             </a:ln>
             <a:extLst>
               <a:ext uri="{91240B29-F687-4f45-9708-019B960494DF}">
-                <a14:hiddenLine xmlns="" xmlns:a14="http://schemas.microsoft.com/office/drawing/2010/main" w="9525">
+                <a14:hiddenLine xmlns:a14="http://schemas.microsoft.com/office/drawing/2010/main" xmlns="" w="9525">
                   <a:solidFill>
                     <a:srgbClr val="000000"/>
                   </a:solidFill>
@@ -969,7 +972,7 @@
             </a:ln>
             <a:extLst>
               <a:ext uri="{91240B29-F687-4f45-9708-019B960494DF}">
-                <a14:hiddenLine xmlns="" xmlns:a14="http://schemas.microsoft.com/office/drawing/2010/main" w="9525">
+                <a14:hiddenLine xmlns:a14="http://schemas.microsoft.com/office/drawing/2010/main" xmlns="" w="9525">
                   <a:solidFill>
                     <a:srgbClr val="000000"/>
                   </a:solidFill>
@@ -1059,7 +1062,7 @@
             </a:ln>
             <a:extLst>
               <a:ext uri="{91240B29-F687-4f45-9708-019B960494DF}">
-                <a14:hiddenLine xmlns="" xmlns:a14="http://schemas.microsoft.com/office/drawing/2010/main" w="9525">
+                <a14:hiddenLine xmlns:a14="http://schemas.microsoft.com/office/drawing/2010/main" xmlns="" w="9525">
                   <a:solidFill>
                     <a:srgbClr val="000000"/>
                   </a:solidFill>
@@ -1093,7 +1096,7 @@
             </a:ln>
             <a:extLst>
               <a:ext uri="{91240B29-F687-4f45-9708-019B960494DF}">
-                <a14:hiddenLine xmlns="" xmlns:a14="http://schemas.microsoft.com/office/drawing/2010/main" w="9525">
+                <a14:hiddenLine xmlns:a14="http://schemas.microsoft.com/office/drawing/2010/main" xmlns="" w="9525">
                   <a:solidFill>
                     <a:srgbClr val="000000"/>
                   </a:solidFill>
@@ -1183,7 +1186,7 @@
             </a:ln>
             <a:extLst>
               <a:ext uri="{91240B29-F687-4f45-9708-019B960494DF}">
-                <a14:hiddenLine xmlns="" xmlns:a14="http://schemas.microsoft.com/office/drawing/2010/main" w="9525">
+                <a14:hiddenLine xmlns:a14="http://schemas.microsoft.com/office/drawing/2010/main" xmlns="" w="9525">
                   <a:solidFill>
                     <a:srgbClr val="000000"/>
                   </a:solidFill>
@@ -1245,7 +1248,7 @@
             </a:ln>
             <a:extLst>
               <a:ext uri="{91240B29-F687-4f45-9708-019B960494DF}">
-                <a14:hiddenLine xmlns="" xmlns:a14="http://schemas.microsoft.com/office/drawing/2010/main" w="9525">
+                <a14:hiddenLine xmlns:a14="http://schemas.microsoft.com/office/drawing/2010/main" xmlns="" w="9525">
                   <a:solidFill>
                     <a:srgbClr val="000000"/>
                   </a:solidFill>
@@ -1307,7 +1310,7 @@
             </a:ln>
             <a:extLst>
               <a:ext uri="{91240B29-F687-4f45-9708-019B960494DF}">
-                <a14:hiddenLine xmlns="" xmlns:a14="http://schemas.microsoft.com/office/drawing/2010/main" w="9525">
+                <a14:hiddenLine xmlns:a14="http://schemas.microsoft.com/office/drawing/2010/main" xmlns="" w="9525">
                   <a:solidFill>
                     <a:srgbClr val="000000"/>
                   </a:solidFill>
@@ -1397,7 +1400,7 @@
             </a:ln>
             <a:extLst>
               <a:ext uri="{91240B29-F687-4f45-9708-019B960494DF}">
-                <a14:hiddenLine xmlns="" xmlns:a14="http://schemas.microsoft.com/office/drawing/2010/main" w="9525">
+                <a14:hiddenLine xmlns:a14="http://schemas.microsoft.com/office/drawing/2010/main" xmlns="" w="9525">
                   <a:solidFill>
                     <a:srgbClr val="000000"/>
                   </a:solidFill>
@@ -1459,7 +1462,7 @@
             </a:ln>
             <a:extLst>
               <a:ext uri="{91240B29-F687-4f45-9708-019B960494DF}">
-                <a14:hiddenLine xmlns="" xmlns:a14="http://schemas.microsoft.com/office/drawing/2010/main" w="9525">
+                <a14:hiddenLine xmlns:a14="http://schemas.microsoft.com/office/drawing/2010/main" xmlns="" w="9525">
                   <a:solidFill>
                     <a:srgbClr val="000000"/>
                   </a:solidFill>
@@ -1521,7 +1524,7 @@
             </a:ln>
             <a:extLst>
               <a:ext uri="{91240B29-F687-4f45-9708-019B960494DF}">
-                <a14:hiddenLine xmlns="" xmlns:a14="http://schemas.microsoft.com/office/drawing/2010/main" w="9525">
+                <a14:hiddenLine xmlns:a14="http://schemas.microsoft.com/office/drawing/2010/main" xmlns="" w="9525">
                   <a:solidFill>
                     <a:srgbClr val="000000"/>
                   </a:solidFill>
@@ -1611,7 +1614,7 @@
             </a:ln>
             <a:extLst>
               <a:ext uri="{91240B29-F687-4f45-9708-019B960494DF}">
-                <a14:hiddenLine xmlns="" xmlns:a14="http://schemas.microsoft.com/office/drawing/2010/main" w="9525">
+                <a14:hiddenLine xmlns:a14="http://schemas.microsoft.com/office/drawing/2010/main" xmlns="" w="9525">
                   <a:solidFill>
                     <a:srgbClr val="000000"/>
                   </a:solidFill>
@@ -1701,7 +1704,7 @@
             </a:ln>
             <a:extLst>
               <a:ext uri="{91240B29-F687-4f45-9708-019B960494DF}">
-                <a14:hiddenLine xmlns="" xmlns:a14="http://schemas.microsoft.com/office/drawing/2010/main" w="9525">
+                <a14:hiddenLine xmlns:a14="http://schemas.microsoft.com/office/drawing/2010/main" xmlns="" w="9525">
                   <a:solidFill>
                     <a:srgbClr val="000000"/>
                   </a:solidFill>
@@ -1763,7 +1766,7 @@
             </a:ln>
             <a:extLst>
               <a:ext uri="{91240B29-F687-4f45-9708-019B960494DF}">
-                <a14:hiddenLine xmlns="" xmlns:a14="http://schemas.microsoft.com/office/drawing/2010/main" w="9525">
+                <a14:hiddenLine xmlns:a14="http://schemas.microsoft.com/office/drawing/2010/main" xmlns="" w="9525">
                   <a:solidFill>
                     <a:srgbClr val="000000"/>
                   </a:solidFill>
@@ -1873,7 +1876,7 @@
             </a:ln>
             <a:extLst>
               <a:ext uri="{91240B29-F687-4f45-9708-019B960494DF}">
-                <a14:hiddenLine xmlns="" xmlns:a14="http://schemas.microsoft.com/office/drawing/2010/main" w="9525">
+                <a14:hiddenLine xmlns:a14="http://schemas.microsoft.com/office/drawing/2010/main" xmlns="" w="9525">
                   <a:solidFill>
                     <a:srgbClr val="000000"/>
                   </a:solidFill>
@@ -1935,7 +1938,7 @@
             </a:ln>
             <a:extLst>
               <a:ext uri="{91240B29-F687-4f45-9708-019B960494DF}">
-                <a14:hiddenLine xmlns="" xmlns:a14="http://schemas.microsoft.com/office/drawing/2010/main" w="9525">
+                <a14:hiddenLine xmlns:a14="http://schemas.microsoft.com/office/drawing/2010/main" xmlns="" w="9525">
                   <a:solidFill>
                     <a:srgbClr val="000000"/>
                   </a:solidFill>
@@ -2025,7 +2028,7 @@
             </a:ln>
             <a:extLst>
               <a:ext uri="{91240B29-F687-4f45-9708-019B960494DF}">
-                <a14:hiddenLine xmlns="" xmlns:a14="http://schemas.microsoft.com/office/drawing/2010/main" w="9525">
+                <a14:hiddenLine xmlns:a14="http://schemas.microsoft.com/office/drawing/2010/main" xmlns="" w="9525">
                   <a:solidFill>
                     <a:srgbClr val="000000"/>
                   </a:solidFill>
@@ -2115,7 +2118,7 @@
             </a:ln>
             <a:extLst>
               <a:ext uri="{91240B29-F687-4f45-9708-019B960494DF}">
-                <a14:hiddenLine xmlns="" xmlns:a14="http://schemas.microsoft.com/office/drawing/2010/main" w="9525">
+                <a14:hiddenLine xmlns:a14="http://schemas.microsoft.com/office/drawing/2010/main" xmlns="" w="9525">
                   <a:solidFill>
                     <a:srgbClr val="000000"/>
                   </a:solidFill>
@@ -2177,7 +2180,7 @@
             </a:ln>
             <a:extLst>
               <a:ext uri="{91240B29-F687-4f45-9708-019B960494DF}">
-                <a14:hiddenLine xmlns="" xmlns:a14="http://schemas.microsoft.com/office/drawing/2010/main" w="9525">
+                <a14:hiddenLine xmlns:a14="http://schemas.microsoft.com/office/drawing/2010/main" xmlns="" w="9525">
                   <a:solidFill>
                     <a:srgbClr val="000000"/>
                   </a:solidFill>
@@ -2267,7 +2270,7 @@
             </a:ln>
             <a:extLst>
               <a:ext uri="{91240B29-F687-4f45-9708-019B960494DF}">
-                <a14:hiddenLine xmlns="" xmlns:a14="http://schemas.microsoft.com/office/drawing/2010/main" w="9525">
+                <a14:hiddenLine xmlns:a14="http://schemas.microsoft.com/office/drawing/2010/main" xmlns="" w="9525">
                   <a:solidFill>
                     <a:srgbClr val="000000"/>
                   </a:solidFill>
@@ -2357,7 +2360,7 @@
             </a:ln>
             <a:extLst>
               <a:ext uri="{91240B29-F687-4f45-9708-019B960494DF}">
-                <a14:hiddenLine xmlns="" xmlns:a14="http://schemas.microsoft.com/office/drawing/2010/main" w="9525">
+                <a14:hiddenLine xmlns:a14="http://schemas.microsoft.com/office/drawing/2010/main" xmlns="" w="9525">
                   <a:solidFill>
                     <a:srgbClr val="000000"/>
                   </a:solidFill>
@@ -2413,7 +2416,7 @@
             </a:ln>
             <a:extLst>
               <a:ext uri="{91240B29-F687-4f45-9708-019B960494DF}">
-                <a14:hiddenLine xmlns="" xmlns:a14="http://schemas.microsoft.com/office/drawing/2010/main" w="9525">
+                <a14:hiddenLine xmlns:a14="http://schemas.microsoft.com/office/drawing/2010/main" xmlns="" w="9525">
                   <a:solidFill>
                     <a:srgbClr val="000000"/>
                   </a:solidFill>
@@ -2503,7 +2506,7 @@
             </a:ln>
             <a:extLst>
               <a:ext uri="{91240B29-F687-4f45-9708-019B960494DF}">
-                <a14:hiddenLine xmlns="" xmlns:a14="http://schemas.microsoft.com/office/drawing/2010/main" w="9525">
+                <a14:hiddenLine xmlns:a14="http://schemas.microsoft.com/office/drawing/2010/main" xmlns="" w="9525">
                   <a:solidFill>
                     <a:srgbClr val="000000"/>
                   </a:solidFill>
@@ -2559,7 +2562,7 @@
             </a:ln>
             <a:extLst>
               <a:ext uri="{91240B29-F687-4f45-9708-019B960494DF}">
-                <a14:hiddenLine xmlns="" xmlns:a14="http://schemas.microsoft.com/office/drawing/2010/main" w="9525">
+                <a14:hiddenLine xmlns:a14="http://schemas.microsoft.com/office/drawing/2010/main" xmlns="" w="9525">
                   <a:solidFill>
                     <a:srgbClr val="000000"/>
                   </a:solidFill>
@@ -2649,7 +2652,7 @@
             </a:ln>
             <a:extLst>
               <a:ext uri="{91240B29-F687-4f45-9708-019B960494DF}">
-                <a14:hiddenLine xmlns="" xmlns:a14="http://schemas.microsoft.com/office/drawing/2010/main" w="9525">
+                <a14:hiddenLine xmlns:a14="http://schemas.microsoft.com/office/drawing/2010/main" xmlns="" w="9525">
                   <a:solidFill>
                     <a:srgbClr val="000000"/>
                   </a:solidFill>
@@ -2717,7 +2720,7 @@
             </a:ln>
             <a:extLst>
               <a:ext uri="{91240B29-F687-4f45-9708-019B960494DF}">
-                <a14:hiddenLine xmlns="" xmlns:a14="http://schemas.microsoft.com/office/drawing/2010/main" w="9525">
+                <a14:hiddenLine xmlns:a14="http://schemas.microsoft.com/office/drawing/2010/main" xmlns="" w="9525">
                   <a:solidFill>
                     <a:srgbClr val="000000"/>
                   </a:solidFill>
@@ -2807,7 +2810,7 @@
             </a:ln>
             <a:extLst>
               <a:ext uri="{91240B29-F687-4f45-9708-019B960494DF}">
-                <a14:hiddenLine xmlns="" xmlns:a14="http://schemas.microsoft.com/office/drawing/2010/main" w="9525">
+                <a14:hiddenLine xmlns:a14="http://schemas.microsoft.com/office/drawing/2010/main" xmlns="" w="9525">
                   <a:solidFill>
                     <a:srgbClr val="000000"/>
                   </a:solidFill>
@@ -2875,7 +2878,7 @@
             </a:ln>
             <a:extLst>
               <a:ext uri="{91240B29-F687-4f45-9708-019B960494DF}">
-                <a14:hiddenLine xmlns="" xmlns:a14="http://schemas.microsoft.com/office/drawing/2010/main" w="9525">
+                <a14:hiddenLine xmlns:a14="http://schemas.microsoft.com/office/drawing/2010/main" xmlns="" w="9525">
                   <a:solidFill>
                     <a:srgbClr val="000000"/>
                   </a:solidFill>
@@ -2965,7 +2968,7 @@
             </a:ln>
             <a:extLst>
               <a:ext uri="{91240B29-F687-4f45-9708-019B960494DF}">
-                <a14:hiddenLine xmlns="" xmlns:a14="http://schemas.microsoft.com/office/drawing/2010/main" w="9525">
+                <a14:hiddenLine xmlns:a14="http://schemas.microsoft.com/office/drawing/2010/main" xmlns="" w="9525">
                   <a:solidFill>
                     <a:srgbClr val="000000"/>
                   </a:solidFill>
@@ -2999,7 +3002,7 @@
             </a:ln>
             <a:extLst>
               <a:ext uri="{91240B29-F687-4f45-9708-019B960494DF}">
-                <a14:hiddenLine xmlns="" xmlns:a14="http://schemas.microsoft.com/office/drawing/2010/main" w="9525">
+                <a14:hiddenLine xmlns:a14="http://schemas.microsoft.com/office/drawing/2010/main" xmlns="" w="9525">
                   <a:solidFill>
                     <a:srgbClr val="000000"/>
                   </a:solidFill>
@@ -3089,7 +3092,7 @@
             </a:ln>
             <a:extLst>
               <a:ext uri="{91240B29-F687-4f45-9708-019B960494DF}">
-                <a14:hiddenLine xmlns="" xmlns:a14="http://schemas.microsoft.com/office/drawing/2010/main" w="9525">
+                <a14:hiddenLine xmlns:a14="http://schemas.microsoft.com/office/drawing/2010/main" xmlns="" w="9525">
                   <a:solidFill>
                     <a:srgbClr val="000000"/>
                   </a:solidFill>
@@ -3151,7 +3154,7 @@
             </a:ln>
             <a:extLst>
               <a:ext uri="{91240B29-F687-4f45-9708-019B960494DF}">
-                <a14:hiddenLine xmlns="" xmlns:a14="http://schemas.microsoft.com/office/drawing/2010/main" w="9525">
+                <a14:hiddenLine xmlns:a14="http://schemas.microsoft.com/office/drawing/2010/main" xmlns="" w="9525">
                   <a:solidFill>
                     <a:srgbClr val="000000"/>
                   </a:solidFill>
@@ -3213,7 +3216,7 @@
             </a:ln>
             <a:extLst>
               <a:ext uri="{91240B29-F687-4f45-9708-019B960494DF}">
-                <a14:hiddenLine xmlns="" xmlns:a14="http://schemas.microsoft.com/office/drawing/2010/main" w="9525">
+                <a14:hiddenLine xmlns:a14="http://schemas.microsoft.com/office/drawing/2010/main" xmlns="" w="9525">
                   <a:solidFill>
                     <a:srgbClr val="000000"/>
                   </a:solidFill>
@@ -3303,7 +3306,7 @@
             </a:ln>
             <a:extLst>
               <a:ext uri="{91240B29-F687-4f45-9708-019B960494DF}">
-                <a14:hiddenLine xmlns="" xmlns:a14="http://schemas.microsoft.com/office/drawing/2010/main" w="9525">
+                <a14:hiddenLine xmlns:a14="http://schemas.microsoft.com/office/drawing/2010/main" xmlns="" w="9525">
                   <a:solidFill>
                     <a:srgbClr val="000000"/>
                   </a:solidFill>
@@ -3371,7 +3374,7 @@
             </a:ln>
             <a:extLst>
               <a:ext uri="{91240B29-F687-4f45-9708-019B960494DF}">
-                <a14:hiddenLine xmlns="" xmlns:a14="http://schemas.microsoft.com/office/drawing/2010/main" w="9525">
+                <a14:hiddenLine xmlns:a14="http://schemas.microsoft.com/office/drawing/2010/main" xmlns="" w="9525">
                   <a:solidFill>
                     <a:srgbClr val="000000"/>
                   </a:solidFill>
@@ -3433,7 +3436,7 @@
             </a:ln>
             <a:extLst>
               <a:ext uri="{91240B29-F687-4f45-9708-019B960494DF}">
-                <a14:hiddenLine xmlns="" xmlns:a14="http://schemas.microsoft.com/office/drawing/2010/main" w="9525">
+                <a14:hiddenLine xmlns:a14="http://schemas.microsoft.com/office/drawing/2010/main" xmlns="" w="9525">
                   <a:solidFill>
                     <a:srgbClr val="000000"/>
                   </a:solidFill>
@@ -3523,7 +3526,7 @@
             </a:ln>
             <a:extLst>
               <a:ext uri="{91240B29-F687-4f45-9708-019B960494DF}">
-                <a14:hiddenLine xmlns="" xmlns:a14="http://schemas.microsoft.com/office/drawing/2010/main" w="9525">
+                <a14:hiddenLine xmlns:a14="http://schemas.microsoft.com/office/drawing/2010/main" xmlns="" w="9525">
                   <a:solidFill>
                     <a:srgbClr val="000000"/>
                   </a:solidFill>
@@ -3585,7 +3588,7 @@
             </a:ln>
             <a:extLst>
               <a:ext uri="{91240B29-F687-4f45-9708-019B960494DF}">
-                <a14:hiddenLine xmlns="" xmlns:a14="http://schemas.microsoft.com/office/drawing/2010/main" w="9525">
+                <a14:hiddenLine xmlns:a14="http://schemas.microsoft.com/office/drawing/2010/main" xmlns="" w="9525">
                   <a:solidFill>
                     <a:srgbClr val="000000"/>
                   </a:solidFill>
@@ -3675,7 +3678,7 @@
             </a:ln>
             <a:extLst>
               <a:ext uri="{91240B29-F687-4f45-9708-019B960494DF}">
-                <a14:hiddenLine xmlns="" xmlns:a14="http://schemas.microsoft.com/office/drawing/2010/main" w="9525">
+                <a14:hiddenLine xmlns:a14="http://schemas.microsoft.com/office/drawing/2010/main" xmlns="" w="9525">
                   <a:solidFill>
                     <a:srgbClr val="000000"/>
                   </a:solidFill>
@@ -3737,7 +3740,7 @@
             </a:ln>
             <a:extLst>
               <a:ext uri="{91240B29-F687-4f45-9708-019B960494DF}">
-                <a14:hiddenLine xmlns="" xmlns:a14="http://schemas.microsoft.com/office/drawing/2010/main" w="9525">
+                <a14:hiddenLine xmlns:a14="http://schemas.microsoft.com/office/drawing/2010/main" xmlns="" w="9525">
                   <a:solidFill>
                     <a:srgbClr val="000000"/>
                   </a:solidFill>
@@ -3827,7 +3830,7 @@
             </a:ln>
             <a:extLst>
               <a:ext uri="{91240B29-F687-4f45-9708-019B960494DF}">
-                <a14:hiddenLine xmlns="" xmlns:a14="http://schemas.microsoft.com/office/drawing/2010/main" w="9525">
+                <a14:hiddenLine xmlns:a14="http://schemas.microsoft.com/office/drawing/2010/main" xmlns="" w="9525">
                   <a:solidFill>
                     <a:srgbClr val="000000"/>
                   </a:solidFill>
@@ -3861,7 +3864,7 @@
             </a:ln>
             <a:extLst>
               <a:ext uri="{91240B29-F687-4f45-9708-019B960494DF}">
-                <a14:hiddenLine xmlns="" xmlns:a14="http://schemas.microsoft.com/office/drawing/2010/main" w="9525">
+                <a14:hiddenLine xmlns:a14="http://schemas.microsoft.com/office/drawing/2010/main" xmlns="" w="9525">
                   <a:solidFill>
                     <a:srgbClr val="000000"/>
                   </a:solidFill>
@@ -3926,7 +3929,7 @@
             </a:ln>
             <a:extLst>
               <a:ext uri="{91240B29-F687-4f45-9708-019B960494DF}">
-                <a14:hiddenLine xmlns="" xmlns:a14="http://schemas.microsoft.com/office/drawing/2010/main" w="9525">
+                <a14:hiddenLine xmlns:a14="http://schemas.microsoft.com/office/drawing/2010/main" xmlns="" w="9525">
                   <a:solidFill>
                     <a:srgbClr val="000000"/>
                   </a:solidFill>
@@ -4016,7 +4019,7 @@
             </a:ln>
             <a:extLst>
               <a:ext uri="{91240B29-F687-4f45-9708-019B960494DF}">
-                <a14:hiddenLine xmlns="" xmlns:a14="http://schemas.microsoft.com/office/drawing/2010/main" w="9525">
+                <a14:hiddenLine xmlns:a14="http://schemas.microsoft.com/office/drawing/2010/main" xmlns="" w="9525">
                   <a:solidFill>
                     <a:srgbClr val="000000"/>
                   </a:solidFill>
@@ -4078,7 +4081,7 @@
             </a:ln>
             <a:extLst>
               <a:ext uri="{91240B29-F687-4f45-9708-019B960494DF}">
-                <a14:hiddenLine xmlns="" xmlns:a14="http://schemas.microsoft.com/office/drawing/2010/main" w="9525">
+                <a14:hiddenLine xmlns:a14="http://schemas.microsoft.com/office/drawing/2010/main" xmlns="" w="9525">
                   <a:solidFill>
                     <a:srgbClr val="000000"/>
                   </a:solidFill>
@@ -4168,7 +4171,7 @@
             </a:ln>
             <a:extLst>
               <a:ext uri="{91240B29-F687-4f45-9708-019B960494DF}">
-                <a14:hiddenLine xmlns="" xmlns:a14="http://schemas.microsoft.com/office/drawing/2010/main" w="9525">
+                <a14:hiddenLine xmlns:a14="http://schemas.microsoft.com/office/drawing/2010/main" xmlns="" w="9525">
                   <a:solidFill>
                     <a:srgbClr val="000000"/>
                   </a:solidFill>
@@ -4258,7 +4261,7 @@
             </a:ln>
             <a:extLst>
               <a:ext uri="{91240B29-F687-4f45-9708-019B960494DF}">
-                <a14:hiddenLine xmlns="" xmlns:a14="http://schemas.microsoft.com/office/drawing/2010/main" w="9525">
+                <a14:hiddenLine xmlns:a14="http://schemas.microsoft.com/office/drawing/2010/main" xmlns="" w="9525">
                   <a:solidFill>
                     <a:srgbClr val="000000"/>
                   </a:solidFill>
@@ -4323,7 +4326,7 @@
             </a:ln>
             <a:extLst>
               <a:ext uri="{91240B29-F687-4f45-9708-019B960494DF}">
-                <a14:hiddenLine xmlns="" xmlns:a14="http://schemas.microsoft.com/office/drawing/2010/main" w="9525">
+                <a14:hiddenLine xmlns:a14="http://schemas.microsoft.com/office/drawing/2010/main" xmlns="" w="9525">
                   <a:solidFill>
                     <a:srgbClr val="000000"/>
                   </a:solidFill>
@@ -4385,7 +4388,7 @@
             </a:ln>
             <a:extLst>
               <a:ext uri="{91240B29-F687-4f45-9708-019B960494DF}">
-                <a14:hiddenLine xmlns="" xmlns:a14="http://schemas.microsoft.com/office/drawing/2010/main" w="9525">
+                <a14:hiddenLine xmlns:a14="http://schemas.microsoft.com/office/drawing/2010/main" xmlns="" w="9525">
                   <a:solidFill>
                     <a:srgbClr val="000000"/>
                   </a:solidFill>
@@ -4475,7 +4478,7 @@
             </a:ln>
             <a:extLst>
               <a:ext uri="{91240B29-F687-4f45-9708-019B960494DF}">
-                <a14:hiddenLine xmlns="" xmlns:a14="http://schemas.microsoft.com/office/drawing/2010/main" w="9525">
+                <a14:hiddenLine xmlns:a14="http://schemas.microsoft.com/office/drawing/2010/main" xmlns="" w="9525">
                   <a:solidFill>
                     <a:srgbClr val="000000"/>
                   </a:solidFill>
@@ -4565,7 +4568,7 @@
             </a:ln>
             <a:extLst>
               <a:ext uri="{91240B29-F687-4f45-9708-019B960494DF}">
-                <a14:hiddenLine xmlns="" xmlns:a14="http://schemas.microsoft.com/office/drawing/2010/main" w="9525">
+                <a14:hiddenLine xmlns:a14="http://schemas.microsoft.com/office/drawing/2010/main" xmlns="" w="9525">
                   <a:solidFill>
                     <a:srgbClr val="000000"/>
                   </a:solidFill>
@@ -4627,7 +4630,7 @@
             </a:ln>
             <a:extLst>
               <a:ext uri="{91240B29-F687-4f45-9708-019B960494DF}">
-                <a14:hiddenLine xmlns="" xmlns:a14="http://schemas.microsoft.com/office/drawing/2010/main" w="9525">
+                <a14:hiddenLine xmlns:a14="http://schemas.microsoft.com/office/drawing/2010/main" xmlns="" w="9525">
                   <a:solidFill>
                     <a:srgbClr val="000000"/>
                   </a:solidFill>
@@ -4747,7 +4750,7 @@
             </a:ln>
             <a:extLst>
               <a:ext uri="{91240B29-F687-4f45-9708-019B960494DF}">
-                <a14:hiddenLine xmlns="" xmlns:a14="http://schemas.microsoft.com/office/drawing/2010/main" w="9525">
+                <a14:hiddenLine xmlns:a14="http://schemas.microsoft.com/office/drawing/2010/main" xmlns="" w="9525">
                   <a:solidFill>
                     <a:srgbClr val="000000"/>
                   </a:solidFill>
@@ -4815,7 +4818,7 @@
             </a:ln>
             <a:extLst>
               <a:ext uri="{91240B29-F687-4f45-9708-019B960494DF}">
-                <a14:hiddenLine xmlns="" xmlns:a14="http://schemas.microsoft.com/office/drawing/2010/main" w="9525">
+                <a14:hiddenLine xmlns:a14="http://schemas.microsoft.com/office/drawing/2010/main" xmlns="" w="9525">
                   <a:solidFill>
                     <a:srgbClr val="000000"/>
                   </a:solidFill>
@@ -4905,7 +4908,7 @@
             </a:ln>
             <a:extLst>
               <a:ext uri="{91240B29-F687-4f45-9708-019B960494DF}">
-                <a14:hiddenLine xmlns="" xmlns:a14="http://schemas.microsoft.com/office/drawing/2010/main" w="9525">
+                <a14:hiddenLine xmlns:a14="http://schemas.microsoft.com/office/drawing/2010/main" xmlns="" w="9525">
                   <a:solidFill>
                     <a:srgbClr val="000000"/>
                   </a:solidFill>
@@ -9718,7 +9721,7 @@
           <a:noFill/>
           <a:extLst>
             <a:ext uri="{909E8E84-426E-40dd-AFC4-6F175D3DCCD1}">
-              <a14:hiddenFill xmlns="" xmlns:a14="http://schemas.microsoft.com/office/drawing/2010/main">
+              <a14:hiddenFill xmlns:a14="http://schemas.microsoft.com/office/drawing/2010/main" xmlns="">
                 <a:solidFill>
                   <a:srgbClr val="FFFFFF"/>
                 </a:solidFill>
@@ -9792,7 +9795,7 @@
               </a:ln>
               <a:extLst>
                 <a:ext uri="{91240B29-F687-4f45-9708-019B960494DF}">
-                  <a14:hiddenLine xmlns="" xmlns:a14="http://schemas.microsoft.com/office/drawing/2010/main" w="9525">
+                  <a14:hiddenLine xmlns:a14="http://schemas.microsoft.com/office/drawing/2010/main" xmlns="" w="9525">
                     <a:solidFill>
                       <a:srgbClr val="000000"/>
                     </a:solidFill>
@@ -9882,7 +9885,7 @@
               </a:ln>
               <a:extLst>
                 <a:ext uri="{91240B29-F687-4f45-9708-019B960494DF}">
-                  <a14:hiddenLine xmlns="" xmlns:a14="http://schemas.microsoft.com/office/drawing/2010/main" w="9525">
+                  <a14:hiddenLine xmlns:a14="http://schemas.microsoft.com/office/drawing/2010/main" xmlns="" w="9525">
                     <a:solidFill>
                       <a:srgbClr val="000000"/>
                     </a:solidFill>
@@ -9972,7 +9975,7 @@
               </a:ln>
               <a:extLst>
                 <a:ext uri="{91240B29-F687-4f45-9708-019B960494DF}">
-                  <a14:hiddenLine xmlns="" xmlns:a14="http://schemas.microsoft.com/office/drawing/2010/main" w="9525">
+                  <a14:hiddenLine xmlns:a14="http://schemas.microsoft.com/office/drawing/2010/main" xmlns="" w="9525">
                     <a:solidFill>
                       <a:srgbClr val="000000"/>
                     </a:solidFill>
@@ -10034,7 +10037,7 @@
               </a:ln>
               <a:extLst>
                 <a:ext uri="{91240B29-F687-4f45-9708-019B960494DF}">
-                  <a14:hiddenLine xmlns="" xmlns:a14="http://schemas.microsoft.com/office/drawing/2010/main" w="9525">
+                  <a14:hiddenLine xmlns:a14="http://schemas.microsoft.com/office/drawing/2010/main" xmlns="" w="9525">
                     <a:solidFill>
                       <a:srgbClr val="000000"/>
                     </a:solidFill>
@@ -10124,7 +10127,7 @@
               </a:ln>
               <a:extLst>
                 <a:ext uri="{91240B29-F687-4f45-9708-019B960494DF}">
-                  <a14:hiddenLine xmlns="" xmlns:a14="http://schemas.microsoft.com/office/drawing/2010/main" w="9525">
+                  <a14:hiddenLine xmlns:a14="http://schemas.microsoft.com/office/drawing/2010/main" xmlns="" w="9525">
                     <a:solidFill>
                       <a:srgbClr val="000000"/>
                     </a:solidFill>
@@ -10186,7 +10189,7 @@
               </a:ln>
               <a:extLst>
                 <a:ext uri="{91240B29-F687-4f45-9708-019B960494DF}">
-                  <a14:hiddenLine xmlns="" xmlns:a14="http://schemas.microsoft.com/office/drawing/2010/main" w="9525">
+                  <a14:hiddenLine xmlns:a14="http://schemas.microsoft.com/office/drawing/2010/main" xmlns="" w="9525">
                     <a:solidFill>
                       <a:srgbClr val="000000"/>
                     </a:solidFill>
@@ -10248,7 +10251,7 @@
               </a:ln>
               <a:extLst>
                 <a:ext uri="{91240B29-F687-4f45-9708-019B960494DF}">
-                  <a14:hiddenLine xmlns="" xmlns:a14="http://schemas.microsoft.com/office/drawing/2010/main" w="9525">
+                  <a14:hiddenLine xmlns:a14="http://schemas.microsoft.com/office/drawing/2010/main" xmlns="" w="9525">
                     <a:solidFill>
                       <a:srgbClr val="000000"/>
                     </a:solidFill>
@@ -10338,7 +10341,7 @@
               </a:ln>
               <a:extLst>
                 <a:ext uri="{91240B29-F687-4f45-9708-019B960494DF}">
-                  <a14:hiddenLine xmlns="" xmlns:a14="http://schemas.microsoft.com/office/drawing/2010/main" w="9525">
+                  <a14:hiddenLine xmlns:a14="http://schemas.microsoft.com/office/drawing/2010/main" xmlns="" w="9525">
                     <a:solidFill>
                       <a:srgbClr val="000000"/>
                     </a:solidFill>
@@ -10428,7 +10431,7 @@
               </a:ln>
               <a:extLst>
                 <a:ext uri="{91240B29-F687-4f45-9708-019B960494DF}">
-                  <a14:hiddenLine xmlns="" xmlns:a14="http://schemas.microsoft.com/office/drawing/2010/main" w="9525">
+                  <a14:hiddenLine xmlns:a14="http://schemas.microsoft.com/office/drawing/2010/main" xmlns="" w="9525">
                     <a:solidFill>
                       <a:srgbClr val="000000"/>
                     </a:solidFill>
@@ -10490,7 +10493,7 @@
               </a:ln>
               <a:extLst>
                 <a:ext uri="{91240B29-F687-4f45-9708-019B960494DF}">
-                  <a14:hiddenLine xmlns="" xmlns:a14="http://schemas.microsoft.com/office/drawing/2010/main" w="9525">
+                  <a14:hiddenLine xmlns:a14="http://schemas.microsoft.com/office/drawing/2010/main" xmlns="" w="9525">
                     <a:solidFill>
                       <a:srgbClr val="000000"/>
                     </a:solidFill>
@@ -10600,7 +10603,7 @@
               </a:ln>
               <a:extLst>
                 <a:ext uri="{91240B29-F687-4f45-9708-019B960494DF}">
-                  <a14:hiddenLine xmlns="" xmlns:a14="http://schemas.microsoft.com/office/drawing/2010/main" w="9525">
+                  <a14:hiddenLine xmlns:a14="http://schemas.microsoft.com/office/drawing/2010/main" xmlns="" w="9525">
                     <a:solidFill>
                       <a:srgbClr val="000000"/>
                     </a:solidFill>
@@ -10684,7 +10687,7 @@
               </a:ln>
               <a:extLst>
                 <a:ext uri="{91240B29-F687-4f45-9708-019B960494DF}">
-                  <a14:hiddenLine xmlns="" xmlns:a14="http://schemas.microsoft.com/office/drawing/2010/main" w="9525">
+                  <a14:hiddenLine xmlns:a14="http://schemas.microsoft.com/office/drawing/2010/main" xmlns="" w="9525">
                     <a:solidFill>
                       <a:srgbClr val="000000"/>
                     </a:solidFill>
@@ -10746,7 +10749,7 @@
               </a:ln>
               <a:extLst>
                 <a:ext uri="{91240B29-F687-4f45-9708-019B960494DF}">
-                  <a14:hiddenLine xmlns="" xmlns:a14="http://schemas.microsoft.com/office/drawing/2010/main" w="9525">
+                  <a14:hiddenLine xmlns:a14="http://schemas.microsoft.com/office/drawing/2010/main" xmlns="" w="9525">
                     <a:solidFill>
                       <a:srgbClr val="000000"/>
                     </a:solidFill>
@@ -10808,7 +10811,7 @@
               </a:ln>
               <a:extLst>
                 <a:ext uri="{91240B29-F687-4f45-9708-019B960494DF}">
-                  <a14:hiddenLine xmlns="" xmlns:a14="http://schemas.microsoft.com/office/drawing/2010/main" w="9525">
+                  <a14:hiddenLine xmlns:a14="http://schemas.microsoft.com/office/drawing/2010/main" xmlns="" w="9525">
                     <a:solidFill>
                       <a:srgbClr val="000000"/>
                     </a:solidFill>
@@ -10898,7 +10901,7 @@
               </a:ln>
               <a:extLst>
                 <a:ext uri="{91240B29-F687-4f45-9708-019B960494DF}">
-                  <a14:hiddenLine xmlns="" xmlns:a14="http://schemas.microsoft.com/office/drawing/2010/main" w="9525">
+                  <a14:hiddenLine xmlns:a14="http://schemas.microsoft.com/office/drawing/2010/main" xmlns="" w="9525">
                     <a:solidFill>
                       <a:srgbClr val="000000"/>
                     </a:solidFill>
@@ -10932,7 +10935,7 @@
               </a:ln>
               <a:extLst>
                 <a:ext uri="{91240B29-F687-4f45-9708-019B960494DF}">
-                  <a14:hiddenLine xmlns="" xmlns:a14="http://schemas.microsoft.com/office/drawing/2010/main" w="9525">
+                  <a14:hiddenLine xmlns:a14="http://schemas.microsoft.com/office/drawing/2010/main" xmlns="" w="9525">
                     <a:solidFill>
                       <a:srgbClr val="000000"/>
                     </a:solidFill>
@@ -10997,7 +11000,7 @@
               </a:ln>
               <a:extLst>
                 <a:ext uri="{91240B29-F687-4f45-9708-019B960494DF}">
-                  <a14:hiddenLine xmlns="" xmlns:a14="http://schemas.microsoft.com/office/drawing/2010/main" w="9525">
+                  <a14:hiddenLine xmlns:a14="http://schemas.microsoft.com/office/drawing/2010/main" xmlns="" w="9525">
                     <a:solidFill>
                       <a:srgbClr val="000000"/>
                     </a:solidFill>
@@ -11087,7 +11090,7 @@
               </a:ln>
               <a:extLst>
                 <a:ext uri="{91240B29-F687-4f45-9708-019B960494DF}">
-                  <a14:hiddenLine xmlns="" xmlns:a14="http://schemas.microsoft.com/office/drawing/2010/main" w="9525">
+                  <a14:hiddenLine xmlns:a14="http://schemas.microsoft.com/office/drawing/2010/main" xmlns="" w="9525">
                     <a:solidFill>
                       <a:srgbClr val="000000"/>
                     </a:solidFill>
@@ -11149,7 +11152,7 @@
               </a:ln>
               <a:extLst>
                 <a:ext uri="{91240B29-F687-4f45-9708-019B960494DF}">
-                  <a14:hiddenLine xmlns="" xmlns:a14="http://schemas.microsoft.com/office/drawing/2010/main" w="9525">
+                  <a14:hiddenLine xmlns:a14="http://schemas.microsoft.com/office/drawing/2010/main" xmlns="" w="9525">
                     <a:solidFill>
                       <a:srgbClr val="000000"/>
                     </a:solidFill>
@@ -11239,7 +11242,7 @@
               </a:ln>
               <a:extLst>
                 <a:ext uri="{91240B29-F687-4f45-9708-019B960494DF}">
-                  <a14:hiddenLine xmlns="" xmlns:a14="http://schemas.microsoft.com/office/drawing/2010/main" w="9525">
+                  <a14:hiddenLine xmlns:a14="http://schemas.microsoft.com/office/drawing/2010/main" xmlns="" w="9525">
                     <a:solidFill>
                       <a:srgbClr val="000000"/>
                     </a:solidFill>
@@ -11304,7 +11307,7 @@
               </a:ln>
               <a:extLst>
                 <a:ext uri="{91240B29-F687-4f45-9708-019B960494DF}">
-                  <a14:hiddenLine xmlns="" xmlns:a14="http://schemas.microsoft.com/office/drawing/2010/main" w="9525">
+                  <a14:hiddenLine xmlns:a14="http://schemas.microsoft.com/office/drawing/2010/main" xmlns="" w="9525">
                     <a:solidFill>
                       <a:srgbClr val="000000"/>
                     </a:solidFill>
@@ -11366,7 +11369,7 @@
               </a:ln>
               <a:extLst>
                 <a:ext uri="{91240B29-F687-4f45-9708-019B960494DF}">
-                  <a14:hiddenLine xmlns="" xmlns:a14="http://schemas.microsoft.com/office/drawing/2010/main" w="9525">
+                  <a14:hiddenLine xmlns:a14="http://schemas.microsoft.com/office/drawing/2010/main" xmlns="" w="9525">
                     <a:solidFill>
                       <a:srgbClr val="000000"/>
                     </a:solidFill>
@@ -11456,7 +11459,7 @@
               </a:ln>
               <a:extLst>
                 <a:ext uri="{91240B29-F687-4f45-9708-019B960494DF}">
-                  <a14:hiddenLine xmlns="" xmlns:a14="http://schemas.microsoft.com/office/drawing/2010/main" w="9525">
+                  <a14:hiddenLine xmlns:a14="http://schemas.microsoft.com/office/drawing/2010/main" xmlns="" w="9525">
                     <a:solidFill>
                       <a:srgbClr val="000000"/>
                     </a:solidFill>
@@ -11546,7 +11549,7 @@
               </a:ln>
               <a:extLst>
                 <a:ext uri="{91240B29-F687-4f45-9708-019B960494DF}">
-                  <a14:hiddenLine xmlns="" xmlns:a14="http://schemas.microsoft.com/office/drawing/2010/main" w="9525">
+                  <a14:hiddenLine xmlns:a14="http://schemas.microsoft.com/office/drawing/2010/main" xmlns="" w="9525">
                     <a:solidFill>
                       <a:srgbClr val="000000"/>
                     </a:solidFill>
@@ -11611,7 +11614,7 @@
               </a:ln>
               <a:extLst>
                 <a:ext uri="{91240B29-F687-4f45-9708-019B960494DF}">
-                  <a14:hiddenLine xmlns="" xmlns:a14="http://schemas.microsoft.com/office/drawing/2010/main" w="9525">
+                  <a14:hiddenLine xmlns:a14="http://schemas.microsoft.com/office/drawing/2010/main" xmlns="" w="9525">
                     <a:solidFill>
                       <a:srgbClr val="000000"/>
                     </a:solidFill>
@@ -11731,7 +11734,7 @@
               </a:ln>
               <a:extLst>
                 <a:ext uri="{91240B29-F687-4f45-9708-019B960494DF}">
-                  <a14:hiddenLine xmlns="" xmlns:a14="http://schemas.microsoft.com/office/drawing/2010/main" w="9525">
+                  <a14:hiddenLine xmlns:a14="http://schemas.microsoft.com/office/drawing/2010/main" xmlns="" w="9525">
                     <a:solidFill>
                       <a:srgbClr val="000000"/>
                     </a:solidFill>
@@ -11829,7 +11832,7 @@
               </a:ln>
               <a:extLst>
                 <a:ext uri="{91240B29-F687-4f45-9708-019B960494DF}">
-                  <a14:hiddenLine xmlns="" xmlns:a14="http://schemas.microsoft.com/office/drawing/2010/main" w="9525">
+                  <a14:hiddenLine xmlns:a14="http://schemas.microsoft.com/office/drawing/2010/main" xmlns="" w="9525">
                     <a:solidFill>
                       <a:srgbClr val="000000"/>
                     </a:solidFill>
@@ -11944,7 +11947,7 @@
               </a:ln>
               <a:extLst>
                 <a:ext uri="{91240B29-F687-4f45-9708-019B960494DF}">
-                  <a14:hiddenLine xmlns="" xmlns:a14="http://schemas.microsoft.com/office/drawing/2010/main" w="9525">
+                  <a14:hiddenLine xmlns:a14="http://schemas.microsoft.com/office/drawing/2010/main" xmlns="" w="9525">
                     <a:solidFill>
                       <a:srgbClr val="000000"/>
                     </a:solidFill>
@@ -12034,7 +12037,7 @@
               </a:ln>
               <a:extLst>
                 <a:ext uri="{91240B29-F687-4f45-9708-019B960494DF}">
-                  <a14:hiddenLine xmlns="" xmlns:a14="http://schemas.microsoft.com/office/drawing/2010/main" w="9525">
+                  <a14:hiddenLine xmlns:a14="http://schemas.microsoft.com/office/drawing/2010/main" xmlns="" w="9525">
                     <a:solidFill>
                       <a:srgbClr val="000000"/>
                     </a:solidFill>
@@ -12099,7 +12102,7 @@
               </a:ln>
               <a:extLst>
                 <a:ext uri="{91240B29-F687-4f45-9708-019B960494DF}">
-                  <a14:hiddenLine xmlns="" xmlns:a14="http://schemas.microsoft.com/office/drawing/2010/main" w="9525">
+                  <a14:hiddenLine xmlns:a14="http://schemas.microsoft.com/office/drawing/2010/main" xmlns="" w="9525">
                     <a:solidFill>
                       <a:srgbClr val="000000"/>
                     </a:solidFill>
@@ -12189,7 +12192,7 @@
               </a:ln>
               <a:extLst>
                 <a:ext uri="{91240B29-F687-4f45-9708-019B960494DF}">
-                  <a14:hiddenLine xmlns="" xmlns:a14="http://schemas.microsoft.com/office/drawing/2010/main" w="9525">
+                  <a14:hiddenLine xmlns:a14="http://schemas.microsoft.com/office/drawing/2010/main" xmlns="" w="9525">
                     <a:solidFill>
                       <a:srgbClr val="000000"/>
                     </a:solidFill>
@@ -12257,7 +12260,7 @@
               </a:ln>
               <a:extLst>
                 <a:ext uri="{91240B29-F687-4f45-9708-019B960494DF}">
-                  <a14:hiddenLine xmlns="" xmlns:a14="http://schemas.microsoft.com/office/drawing/2010/main" w="9525">
+                  <a14:hiddenLine xmlns:a14="http://schemas.microsoft.com/office/drawing/2010/main" xmlns="" w="9525">
                     <a:solidFill>
                       <a:srgbClr val="000000"/>
                     </a:solidFill>
@@ -12347,7 +12350,7 @@
               </a:ln>
               <a:extLst>
                 <a:ext uri="{91240B29-F687-4f45-9708-019B960494DF}">
-                  <a14:hiddenLine xmlns="" xmlns:a14="http://schemas.microsoft.com/office/drawing/2010/main" w="9525">
+                  <a14:hiddenLine xmlns:a14="http://schemas.microsoft.com/office/drawing/2010/main" xmlns="" w="9525">
                     <a:solidFill>
                       <a:srgbClr val="000000"/>
                     </a:solidFill>
@@ -12415,7 +12418,7 @@
               </a:ln>
               <a:extLst>
                 <a:ext uri="{91240B29-F687-4f45-9708-019B960494DF}">
-                  <a14:hiddenLine xmlns="" xmlns:a14="http://schemas.microsoft.com/office/drawing/2010/main" w="9525">
+                  <a14:hiddenLine xmlns:a14="http://schemas.microsoft.com/office/drawing/2010/main" xmlns="" w="9525">
                     <a:solidFill>
                       <a:srgbClr val="000000"/>
                     </a:solidFill>
@@ -12505,7 +12508,7 @@
               </a:ln>
               <a:extLst>
                 <a:ext uri="{91240B29-F687-4f45-9708-019B960494DF}">
-                  <a14:hiddenLine xmlns="" xmlns:a14="http://schemas.microsoft.com/office/drawing/2010/main" w="9525">
+                  <a14:hiddenLine xmlns:a14="http://schemas.microsoft.com/office/drawing/2010/main" xmlns="" w="9525">
                     <a:solidFill>
                       <a:srgbClr val="000000"/>
                     </a:solidFill>
@@ -12539,7 +12542,7 @@
               </a:ln>
               <a:extLst>
                 <a:ext uri="{91240B29-F687-4f45-9708-019B960494DF}">
-                  <a14:hiddenLine xmlns="" xmlns:a14="http://schemas.microsoft.com/office/drawing/2010/main" w="9525">
+                  <a14:hiddenLine xmlns:a14="http://schemas.microsoft.com/office/drawing/2010/main" xmlns="" w="9525">
                     <a:solidFill>
                       <a:srgbClr val="000000"/>
                     </a:solidFill>
@@ -14756,6 +14759,251 @@
         </p:nvSpPr>
         <p:spPr>
           <a:xfrm>
+            <a:off x="1220923" y="-293514"/>
+            <a:ext cx="7693740" cy="1478570"/>
+          </a:xfrm>
+        </p:spPr>
+        <p:txBody>
+          <a:bodyPr/>
+          <a:lstStyle/>
+          <a:p>
+            <a:r>
+              <a:rPr lang="fr-FR" b="1" dirty="0"/>
+              <a:t>LE SITE WEB</a:t>
+            </a:r>
+          </a:p>
+        </p:txBody>
+      </p:sp>
+      <p:sp>
+        <p:nvSpPr>
+          <p:cNvPr id="3" name="Espace réservé du contenu 2">
+            <a:extLst>
+              <a:ext uri="{FF2B5EF4-FFF2-40B4-BE49-F238E27FC236}">
+                <a16:creationId xmlns:a16="http://schemas.microsoft.com/office/drawing/2014/main" id="{3C2FCE08-9ADD-7598-4D3E-D8DA71AF15F2}"/>
+              </a:ext>
+            </a:extLst>
+          </p:cNvPr>
+          <p:cNvSpPr>
+            <a:spLocks noGrp="1"/>
+          </p:cNvSpPr>
+          <p:nvPr>
+            <p:ph sz="half" idx="1"/>
+          </p:nvPr>
+        </p:nvSpPr>
+        <p:spPr>
+          <a:xfrm>
+            <a:off x="1343609" y="854765"/>
+            <a:ext cx="10360841" cy="6003235"/>
+          </a:xfrm>
+        </p:spPr>
+        <p:txBody>
+          <a:bodyPr>
+            <a:normAutofit/>
+          </a:bodyPr>
+          <a:lstStyle/>
+          <a:p>
+            <a:r>
+              <a:rPr lang="fr-FR" sz="2600" b="1" u="sng" dirty="0">
+                <a:latin typeface="+mj-lt"/>
+              </a:rPr>
+              <a:t>Evolutions envisagées</a:t>
+            </a:r>
+          </a:p>
+          <a:p>
+            <a:pPr marL="0" indent="0">
+              <a:buNone/>
+            </a:pPr>
+            <a:endParaRPr lang="fr-FR" sz="2600" b="1" u="sng" dirty="0">
+              <a:latin typeface="+mj-lt"/>
+            </a:endParaRPr>
+          </a:p>
+          <a:p>
+            <a:pPr>
+              <a:spcBef>
+                <a:spcPts val="0"/>
+              </a:spcBef>
+              <a:buFontTx/>
+              <a:buChar char="-"/>
+            </a:pPr>
+            <a:r>
+              <a:rPr lang="fr-FR" dirty="0">
+                <a:latin typeface="+mj-lt"/>
+              </a:rPr>
+              <a:t>Possibilité pour l’utilisateur connecté de commenter les recettes,</a:t>
+            </a:r>
+          </a:p>
+          <a:p>
+            <a:pPr>
+              <a:spcBef>
+                <a:spcPts val="0"/>
+              </a:spcBef>
+              <a:buFontTx/>
+              <a:buChar char="-"/>
+            </a:pPr>
+            <a:r>
+              <a:rPr lang="fr-FR" dirty="0">
+                <a:latin typeface="+mj-lt"/>
+              </a:rPr>
+              <a:t>Filtrage des recettes par pays, en plus du continent,</a:t>
+            </a:r>
+          </a:p>
+          <a:p>
+            <a:pPr>
+              <a:spcBef>
+                <a:spcPts val="0"/>
+              </a:spcBef>
+              <a:buFontTx/>
+              <a:buChar char="-"/>
+            </a:pPr>
+            <a:r>
+              <a:rPr lang="fr-FR" dirty="0">
+                <a:latin typeface="+mj-lt"/>
+              </a:rPr>
+              <a:t>Réajustement de la quantité des ingrédients, en fonction du nombre de personnes,</a:t>
+            </a:r>
+          </a:p>
+          <a:p>
+            <a:pPr>
+              <a:spcBef>
+                <a:spcPts val="0"/>
+              </a:spcBef>
+              <a:buFontTx/>
+              <a:buChar char="-"/>
+            </a:pPr>
+            <a:r>
+              <a:rPr lang="fr-FR" dirty="0">
+                <a:latin typeface="+mj-lt"/>
+              </a:rPr>
+              <a:t>Recherche d’une recette par mots-clés.</a:t>
+            </a:r>
+          </a:p>
+          <a:p>
+            <a:pPr marL="0" indent="0">
+              <a:buNone/>
+            </a:pPr>
+            <a:endParaRPr lang="fr-FR" b="1" u="sng" dirty="0">
+              <a:latin typeface="+mj-lt"/>
+            </a:endParaRPr>
+          </a:p>
+        </p:txBody>
+      </p:sp>
+      <p:pic>
+        <p:nvPicPr>
+          <p:cNvPr id="10" name="Image 10" descr="Une image contenant texte, Graphique, capture d’écran, carte&#10;&#10;Description générée automatiquement">
+            <a:extLst>
+              <a:ext uri="{FF2B5EF4-FFF2-40B4-BE49-F238E27FC236}">
+                <a16:creationId xmlns:a16="http://schemas.microsoft.com/office/drawing/2014/main" id="{AC83E2BB-27EC-45DD-3C58-FEB30DEE11DC}"/>
+              </a:ext>
+            </a:extLst>
+          </p:cNvPr>
+          <p:cNvPicPr>
+            <a:picLocks noGrp="1" noChangeAspect="1"/>
+          </p:cNvPicPr>
+          <p:nvPr>
+            <p:ph sz="half" idx="2"/>
+          </p:nvPr>
+        </p:nvPicPr>
+        <p:blipFill>
+          <a:blip r:embed="rId2"/>
+          <a:stretch>
+            <a:fillRect/>
+          </a:stretch>
+        </p:blipFill>
+        <p:spPr>
+          <a:xfrm>
+            <a:off x="8316685" y="-173329"/>
+            <a:ext cx="3019372" cy="1898655"/>
+          </a:xfrm>
+        </p:spPr>
+      </p:pic>
+      <p:pic>
+        <p:nvPicPr>
+          <p:cNvPr id="5" name="Image 4">
+            <a:extLst>
+              <a:ext uri="{FF2B5EF4-FFF2-40B4-BE49-F238E27FC236}">
+                <a16:creationId xmlns:a16="http://schemas.microsoft.com/office/drawing/2014/main" id="{50D0112D-2B1E-42A9-B869-73E90003B664}"/>
+              </a:ext>
+            </a:extLst>
+          </p:cNvPr>
+          <p:cNvPicPr>
+            <a:picLocks noChangeAspect="1"/>
+          </p:cNvPicPr>
+          <p:nvPr/>
+        </p:nvPicPr>
+        <p:blipFill>
+          <a:blip r:embed="rId3"/>
+          <a:stretch>
+            <a:fillRect/>
+          </a:stretch>
+        </p:blipFill>
+        <p:spPr>
+          <a:xfrm>
+            <a:off x="4249987" y="4102972"/>
+            <a:ext cx="3513124" cy="2179509"/>
+          </a:xfrm>
+          <a:prstGeom prst="rect">
+            <a:avLst/>
+          </a:prstGeom>
+          <a:ln>
+            <a:noFill/>
+          </a:ln>
+          <a:effectLst>
+            <a:outerShdw blurRad="292100" dist="139700" dir="2700000" algn="tl" rotWithShape="0">
+              <a:srgbClr val="333333">
+                <a:alpha val="65000"/>
+              </a:srgbClr>
+            </a:outerShdw>
+          </a:effectLst>
+        </p:spPr>
+      </p:pic>
+    </p:spTree>
+    <p:extLst>
+      <p:ext uri="{BB962C8B-B14F-4D97-AF65-F5344CB8AC3E}">
+        <p14:creationId xmlns:p14="http://schemas.microsoft.com/office/powerpoint/2010/main" val="804900024"/>
+      </p:ext>
+    </p:extLst>
+  </p:cSld>
+  <p:clrMapOvr>
+    <a:masterClrMapping/>
+  </p:clrMapOvr>
+</p:sld>
+</file>
+
+<file path=ppt/slides/slide15.xml><?xml version="1.0" encoding="utf-8"?>
+<p:sld xmlns:a="http://schemas.openxmlformats.org/drawingml/2006/main" xmlns:r="http://schemas.openxmlformats.org/officeDocument/2006/relationships" xmlns:p="http://schemas.openxmlformats.org/presentationml/2006/main">
+  <p:cSld>
+    <p:spTree>
+      <p:nvGrpSpPr>
+        <p:cNvPr id="1" name=""/>
+        <p:cNvGrpSpPr/>
+        <p:nvPr/>
+      </p:nvGrpSpPr>
+      <p:grpSpPr>
+        <a:xfrm>
+          <a:off x="0" y="0"/>
+          <a:ext cx="0" cy="0"/>
+          <a:chOff x="0" y="0"/>
+          <a:chExt cx="0" cy="0"/>
+        </a:xfrm>
+      </p:grpSpPr>
+      <p:sp>
+        <p:nvSpPr>
+          <p:cNvPr id="2" name="Titre 1">
+            <a:extLst>
+              <a:ext uri="{FF2B5EF4-FFF2-40B4-BE49-F238E27FC236}">
+                <a16:creationId xmlns:a16="http://schemas.microsoft.com/office/drawing/2014/main" id="{D35F439C-3518-B887-2F06-5C4EEA3839BB}"/>
+              </a:ext>
+            </a:extLst>
+          </p:cNvPr>
+          <p:cNvSpPr>
+            <a:spLocks noGrp="1"/>
+          </p:cNvSpPr>
+          <p:nvPr>
+            <p:ph type="title"/>
+          </p:nvPr>
+        </p:nvSpPr>
+        <p:spPr>
+          <a:xfrm>
             <a:off x="1141410" y="-46160"/>
             <a:ext cx="7693740" cy="1478570"/>
           </a:xfrm>
@@ -14983,7 +15231,139 @@
 </p:sld>
 </file>
 
-<file path=ppt/slides/slide15.xml><?xml version="1.0" encoding="utf-8"?>
+<file path=ppt/slides/slide16.xml><?xml version="1.0" encoding="utf-8"?>
+<p:sld xmlns:a="http://schemas.openxmlformats.org/drawingml/2006/main" xmlns:r="http://schemas.openxmlformats.org/officeDocument/2006/relationships" xmlns:p="http://schemas.openxmlformats.org/presentationml/2006/main">
+  <p:cSld>
+    <p:spTree>
+      <p:nvGrpSpPr>
+        <p:cNvPr id="1" name=""/>
+        <p:cNvGrpSpPr/>
+        <p:nvPr/>
+      </p:nvGrpSpPr>
+      <p:grpSpPr>
+        <a:xfrm>
+          <a:off x="0" y="0"/>
+          <a:ext cx="0" cy="0"/>
+          <a:chOff x="0" y="0"/>
+          <a:chExt cx="0" cy="0"/>
+        </a:xfrm>
+      </p:grpSpPr>
+      <p:sp>
+        <p:nvSpPr>
+          <p:cNvPr id="2" name="Titre 1">
+            <a:extLst>
+              <a:ext uri="{FF2B5EF4-FFF2-40B4-BE49-F238E27FC236}">
+                <a16:creationId xmlns:a16="http://schemas.microsoft.com/office/drawing/2014/main" id="{D35F439C-3518-B887-2F06-5C4EEA3839BB}"/>
+              </a:ext>
+            </a:extLst>
+          </p:cNvPr>
+          <p:cNvSpPr>
+            <a:spLocks noGrp="1"/>
+          </p:cNvSpPr>
+          <p:nvPr>
+            <p:ph type="title"/>
+          </p:nvPr>
+        </p:nvSpPr>
+        <p:spPr>
+          <a:xfrm>
+            <a:off x="1141410" y="-46160"/>
+            <a:ext cx="7693740" cy="1478570"/>
+          </a:xfrm>
+        </p:spPr>
+        <p:txBody>
+          <a:bodyPr/>
+          <a:lstStyle/>
+          <a:p>
+            <a:r>
+              <a:rPr lang="fr-FR" b="1" dirty="0"/>
+              <a:t>L’APPLICATION MOBILE</a:t>
+            </a:r>
+          </a:p>
+        </p:txBody>
+      </p:sp>
+      <p:pic>
+        <p:nvPicPr>
+          <p:cNvPr id="10" name="Image 10" descr="Une image contenant texte, Graphique, capture d’écran, carte&#10;&#10;Description générée automatiquement">
+            <a:extLst>
+              <a:ext uri="{FF2B5EF4-FFF2-40B4-BE49-F238E27FC236}">
+                <a16:creationId xmlns:a16="http://schemas.microsoft.com/office/drawing/2014/main" id="{AC83E2BB-27EC-45DD-3C58-FEB30DEE11DC}"/>
+              </a:ext>
+            </a:extLst>
+          </p:cNvPr>
+          <p:cNvPicPr>
+            <a:picLocks noGrp="1" noChangeAspect="1"/>
+          </p:cNvPicPr>
+          <p:nvPr>
+            <p:ph sz="half" idx="2"/>
+          </p:nvPr>
+        </p:nvPicPr>
+        <p:blipFill>
+          <a:blip r:embed="rId2"/>
+          <a:stretch>
+            <a:fillRect/>
+          </a:stretch>
+        </p:blipFill>
+        <p:spPr>
+          <a:xfrm>
+            <a:off x="8316685" y="-173329"/>
+            <a:ext cx="3019372" cy="1898655"/>
+          </a:xfrm>
+        </p:spPr>
+      </p:pic>
+      <p:pic>
+        <p:nvPicPr>
+          <p:cNvPr id="7" name="Image 6">
+            <a:extLst>
+              <a:ext uri="{FF2B5EF4-FFF2-40B4-BE49-F238E27FC236}">
+                <a16:creationId xmlns:a16="http://schemas.microsoft.com/office/drawing/2014/main" id="{8D4E3EF6-ECD0-420C-AFFB-7B49EDBDADF5}"/>
+              </a:ext>
+            </a:extLst>
+          </p:cNvPr>
+          <p:cNvPicPr>
+            <a:picLocks noChangeAspect="1"/>
+          </p:cNvPicPr>
+          <p:nvPr/>
+        </p:nvPicPr>
+        <p:blipFill>
+          <a:blip r:embed="rId3"/>
+          <a:stretch>
+            <a:fillRect/>
+          </a:stretch>
+        </p:blipFill>
+        <p:spPr>
+          <a:xfrm>
+            <a:off x="3290915" y="2188028"/>
+            <a:ext cx="5025770" cy="3312000"/>
+          </a:xfrm>
+          <a:prstGeom prst="rect">
+            <a:avLst/>
+          </a:prstGeom>
+          <a:ln>
+            <a:noFill/>
+          </a:ln>
+          <a:effectLst>
+            <a:outerShdw blurRad="292100" dist="139700" dir="2700000" algn="tl" rotWithShape="0">
+              <a:srgbClr val="333333">
+                <a:alpha val="65000"/>
+              </a:srgbClr>
+            </a:outerShdw>
+          </a:effectLst>
+        </p:spPr>
+      </p:pic>
+    </p:spTree>
+    <p:extLst>
+      <p:ext uri="{BB962C8B-B14F-4D97-AF65-F5344CB8AC3E}">
+        <p14:creationId xmlns:p14="http://schemas.microsoft.com/office/powerpoint/2010/main" val="950139660"/>
+      </p:ext>
+    </p:extLst>
+  </p:cSld>
+  <p:clrMapOvr>
+    <a:masterClrMapping/>
+  </p:clrMapOvr>
+</p:sld>
+</file>
+
+<file path=ppt/slides/slide17.xml><?xml version="1.0" encoding="utf-8"?>
 <p:sld xmlns:a="http://schemas.openxmlformats.org/drawingml/2006/main" xmlns:r="http://schemas.openxmlformats.org/officeDocument/2006/relationships" xmlns:p="http://schemas.openxmlformats.org/presentationml/2006/main">
   <p:cSld>
     <p:spTree>
@@ -15256,7 +15636,7 @@
 </p:sld>
 </file>
 
-<file path=ppt/slides/slide16.xml><?xml version="1.0" encoding="utf-8"?>
+<file path=ppt/slides/slide18.xml><?xml version="1.0" encoding="utf-8"?>
 <p:sld xmlns:a="http://schemas.openxmlformats.org/drawingml/2006/main" xmlns:r="http://schemas.openxmlformats.org/officeDocument/2006/relationships" xmlns:p="http://schemas.openxmlformats.org/presentationml/2006/main">
   <p:cSld>
     <p:spTree>
@@ -15510,6 +15890,147 @@
     <p:extLst>
       <p:ext uri="{BB962C8B-B14F-4D97-AF65-F5344CB8AC3E}">
         <p14:creationId xmlns:p14="http://schemas.microsoft.com/office/powerpoint/2010/main" val="3773910551"/>
+      </p:ext>
+    </p:extLst>
+  </p:cSld>
+  <p:clrMapOvr>
+    <a:masterClrMapping/>
+  </p:clrMapOvr>
+</p:sld>
+</file>
+
+<file path=ppt/slides/slide19.xml><?xml version="1.0" encoding="utf-8"?>
+<p:sld xmlns:a="http://schemas.openxmlformats.org/drawingml/2006/main" xmlns:r="http://schemas.openxmlformats.org/officeDocument/2006/relationships" xmlns:p="http://schemas.openxmlformats.org/presentationml/2006/main">
+  <p:cSld>
+    <p:spTree>
+      <p:nvGrpSpPr>
+        <p:cNvPr id="1" name=""/>
+        <p:cNvGrpSpPr/>
+        <p:nvPr/>
+      </p:nvGrpSpPr>
+      <p:grpSpPr>
+        <a:xfrm>
+          <a:off x="0" y="0"/>
+          <a:ext cx="0" cy="0"/>
+          <a:chOff x="0" y="0"/>
+          <a:chExt cx="0" cy="0"/>
+        </a:xfrm>
+      </p:grpSpPr>
+      <p:sp>
+        <p:nvSpPr>
+          <p:cNvPr id="2" name="Titre 1">
+            <a:extLst>
+              <a:ext uri="{FF2B5EF4-FFF2-40B4-BE49-F238E27FC236}">
+                <a16:creationId xmlns:a16="http://schemas.microsoft.com/office/drawing/2014/main" id="{D35F439C-3518-B887-2F06-5C4EEA3839BB}"/>
+              </a:ext>
+            </a:extLst>
+          </p:cNvPr>
+          <p:cNvSpPr>
+            <a:spLocks noGrp="1"/>
+          </p:cNvSpPr>
+          <p:nvPr>
+            <p:ph type="title"/>
+          </p:nvPr>
+        </p:nvSpPr>
+        <p:spPr>
+          <a:xfrm>
+            <a:off x="1141410" y="-46160"/>
+            <a:ext cx="7693740" cy="1478570"/>
+          </a:xfrm>
+        </p:spPr>
+        <p:txBody>
+          <a:bodyPr/>
+          <a:lstStyle/>
+          <a:p>
+            <a:r>
+              <a:rPr lang="fr-FR" b="1" dirty="0"/>
+              <a:t>RETOUR D’EXPERIENCE</a:t>
+            </a:r>
+          </a:p>
+        </p:txBody>
+      </p:sp>
+      <p:sp>
+        <p:nvSpPr>
+          <p:cNvPr id="3" name="Espace réservé du contenu 2">
+            <a:extLst>
+              <a:ext uri="{FF2B5EF4-FFF2-40B4-BE49-F238E27FC236}">
+                <a16:creationId xmlns:a16="http://schemas.microsoft.com/office/drawing/2014/main" id="{3C2FCE08-9ADD-7598-4D3E-D8DA71AF15F2}"/>
+              </a:ext>
+            </a:extLst>
+          </p:cNvPr>
+          <p:cNvSpPr>
+            <a:spLocks noGrp="1"/>
+          </p:cNvSpPr>
+          <p:nvPr>
+            <p:ph sz="half" idx="1"/>
+          </p:nvPr>
+        </p:nvSpPr>
+        <p:spPr>
+          <a:xfrm>
+            <a:off x="3272572" y="2827175"/>
+            <a:ext cx="5240057" cy="877078"/>
+          </a:xfrm>
+        </p:spPr>
+        <p:txBody>
+          <a:bodyPr>
+            <a:normAutofit/>
+          </a:bodyPr>
+          <a:lstStyle/>
+          <a:p>
+            <a:pPr marL="457200" lvl="1" indent="0">
+              <a:buNone/>
+            </a:pPr>
+            <a:r>
+              <a:rPr lang="fr-FR" sz="3000" dirty="0">
+                <a:latin typeface="+mj-lt"/>
+              </a:rPr>
+              <a:t>Merci de votre attention !</a:t>
+            </a:r>
+          </a:p>
+          <a:p>
+            <a:pPr>
+              <a:buFontTx/>
+              <a:buChar char="-"/>
+            </a:pPr>
+            <a:endParaRPr lang="fr-FR" b="1" dirty="0">
+              <a:latin typeface="+mj-lt"/>
+            </a:endParaRPr>
+          </a:p>
+        </p:txBody>
+      </p:sp>
+      <p:pic>
+        <p:nvPicPr>
+          <p:cNvPr id="10" name="Image 10" descr="Une image contenant texte, Graphique, capture d’écran, carte&#10;&#10;Description générée automatiquement">
+            <a:extLst>
+              <a:ext uri="{FF2B5EF4-FFF2-40B4-BE49-F238E27FC236}">
+                <a16:creationId xmlns:a16="http://schemas.microsoft.com/office/drawing/2014/main" id="{AC83E2BB-27EC-45DD-3C58-FEB30DEE11DC}"/>
+              </a:ext>
+            </a:extLst>
+          </p:cNvPr>
+          <p:cNvPicPr>
+            <a:picLocks noGrp="1" noChangeAspect="1"/>
+          </p:cNvPicPr>
+          <p:nvPr>
+            <p:ph sz="half" idx="2"/>
+          </p:nvPr>
+        </p:nvPicPr>
+        <p:blipFill>
+          <a:blip r:embed="rId2"/>
+          <a:stretch>
+            <a:fillRect/>
+          </a:stretch>
+        </p:blipFill>
+        <p:spPr>
+          <a:xfrm>
+            <a:off x="8316685" y="-173329"/>
+            <a:ext cx="3019372" cy="1898655"/>
+          </a:xfrm>
+        </p:spPr>
+      </p:pic>
+    </p:spTree>
+    <p:extLst>
+      <p:ext uri="{BB962C8B-B14F-4D97-AF65-F5344CB8AC3E}">
+        <p14:creationId xmlns:p14="http://schemas.microsoft.com/office/powerpoint/2010/main" val="1878632104"/>
       </p:ext>
     </p:extLst>
   </p:cSld>
@@ -17606,130 +18127,6 @@
           </a:p>
         </p:txBody>
       </p:sp>
-      <p:sp>
-        <p:nvSpPr>
-          <p:cNvPr id="3" name="Espace réservé du contenu 2">
-            <a:extLst>
-              <a:ext uri="{FF2B5EF4-FFF2-40B4-BE49-F238E27FC236}">
-                <a16:creationId xmlns:a16="http://schemas.microsoft.com/office/drawing/2014/main" id="{3C2FCE08-9ADD-7598-4D3E-D8DA71AF15F2}"/>
-              </a:ext>
-            </a:extLst>
-          </p:cNvPr>
-          <p:cNvSpPr>
-            <a:spLocks noGrp="1"/>
-          </p:cNvSpPr>
-          <p:nvPr>
-            <p:ph sz="half" idx="1"/>
-          </p:nvPr>
-        </p:nvSpPr>
-        <p:spPr>
-          <a:xfrm>
-            <a:off x="1343609" y="854765"/>
-            <a:ext cx="10360841" cy="6003235"/>
-          </a:xfrm>
-        </p:spPr>
-        <p:txBody>
-          <a:bodyPr>
-            <a:normAutofit/>
-          </a:bodyPr>
-          <a:lstStyle/>
-          <a:p>
-            <a:r>
-              <a:rPr lang="fr-FR" sz="2600" b="1" u="sng" dirty="0">
-                <a:latin typeface="+mj-lt"/>
-              </a:rPr>
-              <a:t>Présentation</a:t>
-            </a:r>
-          </a:p>
-          <a:p>
-            <a:pPr marL="0" indent="0">
-              <a:buNone/>
-            </a:pPr>
-            <a:r>
-              <a:rPr lang="fr-FR" b="1" dirty="0">
-                <a:latin typeface="+mj-lt"/>
-                <a:ea typeface="Calibri" panose="020F0502020204030204" pitchFamily="34" charset="0"/>
-              </a:rPr>
-              <a:t>Evolutions envisagées</a:t>
-            </a:r>
-            <a:r>
-              <a:rPr lang="fr-FR" dirty="0">
-                <a:latin typeface="+mj-lt"/>
-                <a:ea typeface="Calibri" panose="020F0502020204030204" pitchFamily="34" charset="0"/>
-              </a:rPr>
-              <a:t> :</a:t>
-            </a:r>
-          </a:p>
-          <a:p>
-            <a:pPr>
-              <a:spcBef>
-                <a:spcPts val="0"/>
-              </a:spcBef>
-              <a:buFontTx/>
-              <a:buChar char="-"/>
-            </a:pPr>
-            <a:r>
-              <a:rPr lang="fr-FR" dirty="0">
-                <a:latin typeface="+mj-lt"/>
-              </a:rPr>
-              <a:t>Possibilité pour l’utilisateur connecté de commenter les recettes,</a:t>
-            </a:r>
-          </a:p>
-          <a:p>
-            <a:pPr>
-              <a:spcBef>
-                <a:spcPts val="0"/>
-              </a:spcBef>
-              <a:buFontTx/>
-              <a:buChar char="-"/>
-            </a:pPr>
-            <a:r>
-              <a:rPr lang="fr-FR" dirty="0">
-                <a:latin typeface="+mj-lt"/>
-              </a:rPr>
-              <a:t>Filtrage des recettes par pays, en plus du continent,</a:t>
-            </a:r>
-          </a:p>
-          <a:p>
-            <a:pPr>
-              <a:spcBef>
-                <a:spcPts val="0"/>
-              </a:spcBef>
-              <a:buFontTx/>
-              <a:buChar char="-"/>
-            </a:pPr>
-            <a:r>
-              <a:rPr lang="fr-FR" dirty="0">
-                <a:latin typeface="+mj-lt"/>
-              </a:rPr>
-              <a:t>Réajustement de la quantité des ingrédients, en fonction du nombre de personnes,</a:t>
-            </a:r>
-          </a:p>
-          <a:p>
-            <a:pPr>
-              <a:spcBef>
-                <a:spcPts val="0"/>
-              </a:spcBef>
-              <a:buFontTx/>
-              <a:buChar char="-"/>
-            </a:pPr>
-            <a:r>
-              <a:rPr lang="fr-FR" dirty="0">
-                <a:latin typeface="+mj-lt"/>
-              </a:rPr>
-              <a:t>Recherche d’une recette par mots-clés.</a:t>
-            </a:r>
-          </a:p>
-          <a:p>
-            <a:pPr marL="0" indent="0">
-              <a:buNone/>
-            </a:pPr>
-            <a:endParaRPr lang="fr-FR" b="1" u="sng" dirty="0">
-              <a:latin typeface="+mj-lt"/>
-            </a:endParaRPr>
-          </a:p>
-        </p:txBody>
-      </p:sp>
       <p:pic>
         <p:nvPicPr>
           <p:cNvPr id="10" name="Image 10" descr="Une image contenant texte, Graphique, capture d’écran, carte&#10;&#10;Description générée automatiquement">
@@ -17761,10 +18158,10 @@
       </p:pic>
       <p:pic>
         <p:nvPicPr>
-          <p:cNvPr id="5" name="Image 4">
+          <p:cNvPr id="8" name="Image 7">
             <a:extLst>
               <a:ext uri="{FF2B5EF4-FFF2-40B4-BE49-F238E27FC236}">
-                <a16:creationId xmlns:a16="http://schemas.microsoft.com/office/drawing/2014/main" id="{50D0112D-2B1E-42A9-B869-73E90003B664}"/>
+                <a16:creationId xmlns:a16="http://schemas.microsoft.com/office/drawing/2014/main" id="{5E6DC11A-9F26-48C4-8F1B-3A93045BBFC4}"/>
               </a:ext>
             </a:extLst>
           </p:cNvPr>
@@ -17781,8 +18178,8 @@
         </p:blipFill>
         <p:spPr>
           <a:xfrm>
-            <a:off x="4249987" y="4102972"/>
-            <a:ext cx="3513124" cy="2179509"/>
+            <a:off x="3290915" y="2078697"/>
+            <a:ext cx="5025770" cy="3312000"/>
           </a:xfrm>
           <a:prstGeom prst="rect">
             <a:avLst/>
@@ -17802,7 +18199,7 @@
     </p:spTree>
     <p:extLst>
       <p:ext uri="{BB962C8B-B14F-4D97-AF65-F5344CB8AC3E}">
-        <p14:creationId xmlns:p14="http://schemas.microsoft.com/office/powerpoint/2010/main" val="804900024"/>
+        <p14:creationId xmlns:p14="http://schemas.microsoft.com/office/powerpoint/2010/main" val="4062480172"/>
       </p:ext>
     </p:extLst>
   </p:cSld>

--- a/Documentation/Présentation/cubes3Groupe.pptx
+++ b/Documentation/Présentation/cubes3Groupe.pptx
@@ -26,8 +26,8 @@
     <p:sldId id="270" r:id="rId14"/>
     <p:sldId id="274" r:id="rId15"/>
     <p:sldId id="271" r:id="rId16"/>
-    <p:sldId id="276" r:id="rId17"/>
-    <p:sldId id="272" r:id="rId18"/>
+    <p:sldId id="272" r:id="rId17"/>
+    <p:sldId id="276" r:id="rId18"/>
     <p:sldId id="273" r:id="rId19"/>
     <p:sldId id="277" r:id="rId20"/>
   </p:sldIdLst>
@@ -822,7 +822,7 @@
           <a:noFill/>
           <a:extLst>
             <a:ext uri="{909E8E84-426E-40dd-AFC4-6F175D3DCCD1}">
-              <a14:hiddenFill xmlns:a14="http://schemas.microsoft.com/office/drawing/2010/main" xmlns="">
+              <a14:hiddenFill xmlns="" xmlns:a14="http://schemas.microsoft.com/office/drawing/2010/main">
                 <a:solidFill>
                   <a:srgbClr val="FFFFFF"/>
                 </a:solidFill>
@@ -882,7 +882,7 @@
             </a:ln>
             <a:extLst>
               <a:ext uri="{91240B29-F687-4f45-9708-019B960494DF}">
-                <a14:hiddenLine xmlns:a14="http://schemas.microsoft.com/office/drawing/2010/main" xmlns="" w="9525">
+                <a14:hiddenLine xmlns="" xmlns:a14="http://schemas.microsoft.com/office/drawing/2010/main" w="9525">
                   <a:solidFill>
                     <a:srgbClr val="000000"/>
                   </a:solidFill>
@@ -972,7 +972,7 @@
             </a:ln>
             <a:extLst>
               <a:ext uri="{91240B29-F687-4f45-9708-019B960494DF}">
-                <a14:hiddenLine xmlns:a14="http://schemas.microsoft.com/office/drawing/2010/main" xmlns="" w="9525">
+                <a14:hiddenLine xmlns="" xmlns:a14="http://schemas.microsoft.com/office/drawing/2010/main" w="9525">
                   <a:solidFill>
                     <a:srgbClr val="000000"/>
                   </a:solidFill>
@@ -1062,7 +1062,7 @@
             </a:ln>
             <a:extLst>
               <a:ext uri="{91240B29-F687-4f45-9708-019B960494DF}">
-                <a14:hiddenLine xmlns:a14="http://schemas.microsoft.com/office/drawing/2010/main" xmlns="" w="9525">
+                <a14:hiddenLine xmlns="" xmlns:a14="http://schemas.microsoft.com/office/drawing/2010/main" w="9525">
                   <a:solidFill>
                     <a:srgbClr val="000000"/>
                   </a:solidFill>
@@ -1096,7 +1096,7 @@
             </a:ln>
             <a:extLst>
               <a:ext uri="{91240B29-F687-4f45-9708-019B960494DF}">
-                <a14:hiddenLine xmlns:a14="http://schemas.microsoft.com/office/drawing/2010/main" xmlns="" w="9525">
+                <a14:hiddenLine xmlns="" xmlns:a14="http://schemas.microsoft.com/office/drawing/2010/main" w="9525">
                   <a:solidFill>
                     <a:srgbClr val="000000"/>
                   </a:solidFill>
@@ -1186,7 +1186,7 @@
             </a:ln>
             <a:extLst>
               <a:ext uri="{91240B29-F687-4f45-9708-019B960494DF}">
-                <a14:hiddenLine xmlns:a14="http://schemas.microsoft.com/office/drawing/2010/main" xmlns="" w="9525">
+                <a14:hiddenLine xmlns="" xmlns:a14="http://schemas.microsoft.com/office/drawing/2010/main" w="9525">
                   <a:solidFill>
                     <a:srgbClr val="000000"/>
                   </a:solidFill>
@@ -1248,7 +1248,7 @@
             </a:ln>
             <a:extLst>
               <a:ext uri="{91240B29-F687-4f45-9708-019B960494DF}">
-                <a14:hiddenLine xmlns:a14="http://schemas.microsoft.com/office/drawing/2010/main" xmlns="" w="9525">
+                <a14:hiddenLine xmlns="" xmlns:a14="http://schemas.microsoft.com/office/drawing/2010/main" w="9525">
                   <a:solidFill>
                     <a:srgbClr val="000000"/>
                   </a:solidFill>
@@ -1310,7 +1310,7 @@
             </a:ln>
             <a:extLst>
               <a:ext uri="{91240B29-F687-4f45-9708-019B960494DF}">
-                <a14:hiddenLine xmlns:a14="http://schemas.microsoft.com/office/drawing/2010/main" xmlns="" w="9525">
+                <a14:hiddenLine xmlns="" xmlns:a14="http://schemas.microsoft.com/office/drawing/2010/main" w="9525">
                   <a:solidFill>
                     <a:srgbClr val="000000"/>
                   </a:solidFill>
@@ -1400,7 +1400,7 @@
             </a:ln>
             <a:extLst>
               <a:ext uri="{91240B29-F687-4f45-9708-019B960494DF}">
-                <a14:hiddenLine xmlns:a14="http://schemas.microsoft.com/office/drawing/2010/main" xmlns="" w="9525">
+                <a14:hiddenLine xmlns="" xmlns:a14="http://schemas.microsoft.com/office/drawing/2010/main" w="9525">
                   <a:solidFill>
                     <a:srgbClr val="000000"/>
                   </a:solidFill>
@@ -1462,7 +1462,7 @@
             </a:ln>
             <a:extLst>
               <a:ext uri="{91240B29-F687-4f45-9708-019B960494DF}">
-                <a14:hiddenLine xmlns:a14="http://schemas.microsoft.com/office/drawing/2010/main" xmlns="" w="9525">
+                <a14:hiddenLine xmlns="" xmlns:a14="http://schemas.microsoft.com/office/drawing/2010/main" w="9525">
                   <a:solidFill>
                     <a:srgbClr val="000000"/>
                   </a:solidFill>
@@ -1524,7 +1524,7 @@
             </a:ln>
             <a:extLst>
               <a:ext uri="{91240B29-F687-4f45-9708-019B960494DF}">
-                <a14:hiddenLine xmlns:a14="http://schemas.microsoft.com/office/drawing/2010/main" xmlns="" w="9525">
+                <a14:hiddenLine xmlns="" xmlns:a14="http://schemas.microsoft.com/office/drawing/2010/main" w="9525">
                   <a:solidFill>
                     <a:srgbClr val="000000"/>
                   </a:solidFill>
@@ -1614,7 +1614,7 @@
             </a:ln>
             <a:extLst>
               <a:ext uri="{91240B29-F687-4f45-9708-019B960494DF}">
-                <a14:hiddenLine xmlns:a14="http://schemas.microsoft.com/office/drawing/2010/main" xmlns="" w="9525">
+                <a14:hiddenLine xmlns="" xmlns:a14="http://schemas.microsoft.com/office/drawing/2010/main" w="9525">
                   <a:solidFill>
                     <a:srgbClr val="000000"/>
                   </a:solidFill>
@@ -1704,7 +1704,7 @@
             </a:ln>
             <a:extLst>
               <a:ext uri="{91240B29-F687-4f45-9708-019B960494DF}">
-                <a14:hiddenLine xmlns:a14="http://schemas.microsoft.com/office/drawing/2010/main" xmlns="" w="9525">
+                <a14:hiddenLine xmlns="" xmlns:a14="http://schemas.microsoft.com/office/drawing/2010/main" w="9525">
                   <a:solidFill>
                     <a:srgbClr val="000000"/>
                   </a:solidFill>
@@ -1766,7 +1766,7 @@
             </a:ln>
             <a:extLst>
               <a:ext uri="{91240B29-F687-4f45-9708-019B960494DF}">
-                <a14:hiddenLine xmlns:a14="http://schemas.microsoft.com/office/drawing/2010/main" xmlns="" w="9525">
+                <a14:hiddenLine xmlns="" xmlns:a14="http://schemas.microsoft.com/office/drawing/2010/main" w="9525">
                   <a:solidFill>
                     <a:srgbClr val="000000"/>
                   </a:solidFill>
@@ -1876,7 +1876,7 @@
             </a:ln>
             <a:extLst>
               <a:ext uri="{91240B29-F687-4f45-9708-019B960494DF}">
-                <a14:hiddenLine xmlns:a14="http://schemas.microsoft.com/office/drawing/2010/main" xmlns="" w="9525">
+                <a14:hiddenLine xmlns="" xmlns:a14="http://schemas.microsoft.com/office/drawing/2010/main" w="9525">
                   <a:solidFill>
                     <a:srgbClr val="000000"/>
                   </a:solidFill>
@@ -1938,7 +1938,7 @@
             </a:ln>
             <a:extLst>
               <a:ext uri="{91240B29-F687-4f45-9708-019B960494DF}">
-                <a14:hiddenLine xmlns:a14="http://schemas.microsoft.com/office/drawing/2010/main" xmlns="" w="9525">
+                <a14:hiddenLine xmlns="" xmlns:a14="http://schemas.microsoft.com/office/drawing/2010/main" w="9525">
                   <a:solidFill>
                     <a:srgbClr val="000000"/>
                   </a:solidFill>
@@ -2028,7 +2028,7 @@
             </a:ln>
             <a:extLst>
               <a:ext uri="{91240B29-F687-4f45-9708-019B960494DF}">
-                <a14:hiddenLine xmlns:a14="http://schemas.microsoft.com/office/drawing/2010/main" xmlns="" w="9525">
+                <a14:hiddenLine xmlns="" xmlns:a14="http://schemas.microsoft.com/office/drawing/2010/main" w="9525">
                   <a:solidFill>
                     <a:srgbClr val="000000"/>
                   </a:solidFill>
@@ -2118,7 +2118,7 @@
             </a:ln>
             <a:extLst>
               <a:ext uri="{91240B29-F687-4f45-9708-019B960494DF}">
-                <a14:hiddenLine xmlns:a14="http://schemas.microsoft.com/office/drawing/2010/main" xmlns="" w="9525">
+                <a14:hiddenLine xmlns="" xmlns:a14="http://schemas.microsoft.com/office/drawing/2010/main" w="9525">
                   <a:solidFill>
                     <a:srgbClr val="000000"/>
                   </a:solidFill>
@@ -2180,7 +2180,7 @@
             </a:ln>
             <a:extLst>
               <a:ext uri="{91240B29-F687-4f45-9708-019B960494DF}">
-                <a14:hiddenLine xmlns:a14="http://schemas.microsoft.com/office/drawing/2010/main" xmlns="" w="9525">
+                <a14:hiddenLine xmlns="" xmlns:a14="http://schemas.microsoft.com/office/drawing/2010/main" w="9525">
                   <a:solidFill>
                     <a:srgbClr val="000000"/>
                   </a:solidFill>
@@ -2270,7 +2270,7 @@
             </a:ln>
             <a:extLst>
               <a:ext uri="{91240B29-F687-4f45-9708-019B960494DF}">
-                <a14:hiddenLine xmlns:a14="http://schemas.microsoft.com/office/drawing/2010/main" xmlns="" w="9525">
+                <a14:hiddenLine xmlns="" xmlns:a14="http://schemas.microsoft.com/office/drawing/2010/main" w="9525">
                   <a:solidFill>
                     <a:srgbClr val="000000"/>
                   </a:solidFill>
@@ -2360,7 +2360,7 @@
             </a:ln>
             <a:extLst>
               <a:ext uri="{91240B29-F687-4f45-9708-019B960494DF}">
-                <a14:hiddenLine xmlns:a14="http://schemas.microsoft.com/office/drawing/2010/main" xmlns="" w="9525">
+                <a14:hiddenLine xmlns="" xmlns:a14="http://schemas.microsoft.com/office/drawing/2010/main" w="9525">
                   <a:solidFill>
                     <a:srgbClr val="000000"/>
                   </a:solidFill>
@@ -2416,7 +2416,7 @@
             </a:ln>
             <a:extLst>
               <a:ext uri="{91240B29-F687-4f45-9708-019B960494DF}">
-                <a14:hiddenLine xmlns:a14="http://schemas.microsoft.com/office/drawing/2010/main" xmlns="" w="9525">
+                <a14:hiddenLine xmlns="" xmlns:a14="http://schemas.microsoft.com/office/drawing/2010/main" w="9525">
                   <a:solidFill>
                     <a:srgbClr val="000000"/>
                   </a:solidFill>
@@ -2506,7 +2506,7 @@
             </a:ln>
             <a:extLst>
               <a:ext uri="{91240B29-F687-4f45-9708-019B960494DF}">
-                <a14:hiddenLine xmlns:a14="http://schemas.microsoft.com/office/drawing/2010/main" xmlns="" w="9525">
+                <a14:hiddenLine xmlns="" xmlns:a14="http://schemas.microsoft.com/office/drawing/2010/main" w="9525">
                   <a:solidFill>
                     <a:srgbClr val="000000"/>
                   </a:solidFill>
@@ -2562,7 +2562,7 @@
             </a:ln>
             <a:extLst>
               <a:ext uri="{91240B29-F687-4f45-9708-019B960494DF}">
-                <a14:hiddenLine xmlns:a14="http://schemas.microsoft.com/office/drawing/2010/main" xmlns="" w="9525">
+                <a14:hiddenLine xmlns="" xmlns:a14="http://schemas.microsoft.com/office/drawing/2010/main" w="9525">
                   <a:solidFill>
                     <a:srgbClr val="000000"/>
                   </a:solidFill>
@@ -2652,7 +2652,7 @@
             </a:ln>
             <a:extLst>
               <a:ext uri="{91240B29-F687-4f45-9708-019B960494DF}">
-                <a14:hiddenLine xmlns:a14="http://schemas.microsoft.com/office/drawing/2010/main" xmlns="" w="9525">
+                <a14:hiddenLine xmlns="" xmlns:a14="http://schemas.microsoft.com/office/drawing/2010/main" w="9525">
                   <a:solidFill>
                     <a:srgbClr val="000000"/>
                   </a:solidFill>
@@ -2720,7 +2720,7 @@
             </a:ln>
             <a:extLst>
               <a:ext uri="{91240B29-F687-4f45-9708-019B960494DF}">
-                <a14:hiddenLine xmlns:a14="http://schemas.microsoft.com/office/drawing/2010/main" xmlns="" w="9525">
+                <a14:hiddenLine xmlns="" xmlns:a14="http://schemas.microsoft.com/office/drawing/2010/main" w="9525">
                   <a:solidFill>
                     <a:srgbClr val="000000"/>
                   </a:solidFill>
@@ -2810,7 +2810,7 @@
             </a:ln>
             <a:extLst>
               <a:ext uri="{91240B29-F687-4f45-9708-019B960494DF}">
-                <a14:hiddenLine xmlns:a14="http://schemas.microsoft.com/office/drawing/2010/main" xmlns="" w="9525">
+                <a14:hiddenLine xmlns="" xmlns:a14="http://schemas.microsoft.com/office/drawing/2010/main" w="9525">
                   <a:solidFill>
                     <a:srgbClr val="000000"/>
                   </a:solidFill>
@@ -2878,7 +2878,7 @@
             </a:ln>
             <a:extLst>
               <a:ext uri="{91240B29-F687-4f45-9708-019B960494DF}">
-                <a14:hiddenLine xmlns:a14="http://schemas.microsoft.com/office/drawing/2010/main" xmlns="" w="9525">
+                <a14:hiddenLine xmlns="" xmlns:a14="http://schemas.microsoft.com/office/drawing/2010/main" w="9525">
                   <a:solidFill>
                     <a:srgbClr val="000000"/>
                   </a:solidFill>
@@ -2968,7 +2968,7 @@
             </a:ln>
             <a:extLst>
               <a:ext uri="{91240B29-F687-4f45-9708-019B960494DF}">
-                <a14:hiddenLine xmlns:a14="http://schemas.microsoft.com/office/drawing/2010/main" xmlns="" w="9525">
+                <a14:hiddenLine xmlns="" xmlns:a14="http://schemas.microsoft.com/office/drawing/2010/main" w="9525">
                   <a:solidFill>
                     <a:srgbClr val="000000"/>
                   </a:solidFill>
@@ -3002,7 +3002,7 @@
             </a:ln>
             <a:extLst>
               <a:ext uri="{91240B29-F687-4f45-9708-019B960494DF}">
-                <a14:hiddenLine xmlns:a14="http://schemas.microsoft.com/office/drawing/2010/main" xmlns="" w="9525">
+                <a14:hiddenLine xmlns="" xmlns:a14="http://schemas.microsoft.com/office/drawing/2010/main" w="9525">
                   <a:solidFill>
                     <a:srgbClr val="000000"/>
                   </a:solidFill>
@@ -3092,7 +3092,7 @@
             </a:ln>
             <a:extLst>
               <a:ext uri="{91240B29-F687-4f45-9708-019B960494DF}">
-                <a14:hiddenLine xmlns:a14="http://schemas.microsoft.com/office/drawing/2010/main" xmlns="" w="9525">
+                <a14:hiddenLine xmlns="" xmlns:a14="http://schemas.microsoft.com/office/drawing/2010/main" w="9525">
                   <a:solidFill>
                     <a:srgbClr val="000000"/>
                   </a:solidFill>
@@ -3154,7 +3154,7 @@
             </a:ln>
             <a:extLst>
               <a:ext uri="{91240B29-F687-4f45-9708-019B960494DF}">
-                <a14:hiddenLine xmlns:a14="http://schemas.microsoft.com/office/drawing/2010/main" xmlns="" w="9525">
+                <a14:hiddenLine xmlns="" xmlns:a14="http://schemas.microsoft.com/office/drawing/2010/main" w="9525">
                   <a:solidFill>
                     <a:srgbClr val="000000"/>
                   </a:solidFill>
@@ -3216,7 +3216,7 @@
             </a:ln>
             <a:extLst>
               <a:ext uri="{91240B29-F687-4f45-9708-019B960494DF}">
-                <a14:hiddenLine xmlns:a14="http://schemas.microsoft.com/office/drawing/2010/main" xmlns="" w="9525">
+                <a14:hiddenLine xmlns="" xmlns:a14="http://schemas.microsoft.com/office/drawing/2010/main" w="9525">
                   <a:solidFill>
                     <a:srgbClr val="000000"/>
                   </a:solidFill>
@@ -3306,7 +3306,7 @@
             </a:ln>
             <a:extLst>
               <a:ext uri="{91240B29-F687-4f45-9708-019B960494DF}">
-                <a14:hiddenLine xmlns:a14="http://schemas.microsoft.com/office/drawing/2010/main" xmlns="" w="9525">
+                <a14:hiddenLine xmlns="" xmlns:a14="http://schemas.microsoft.com/office/drawing/2010/main" w="9525">
                   <a:solidFill>
                     <a:srgbClr val="000000"/>
                   </a:solidFill>
@@ -3374,7 +3374,7 @@
             </a:ln>
             <a:extLst>
               <a:ext uri="{91240B29-F687-4f45-9708-019B960494DF}">
-                <a14:hiddenLine xmlns:a14="http://schemas.microsoft.com/office/drawing/2010/main" xmlns="" w="9525">
+                <a14:hiddenLine xmlns="" xmlns:a14="http://schemas.microsoft.com/office/drawing/2010/main" w="9525">
                   <a:solidFill>
                     <a:srgbClr val="000000"/>
                   </a:solidFill>
@@ -3436,7 +3436,7 @@
             </a:ln>
             <a:extLst>
               <a:ext uri="{91240B29-F687-4f45-9708-019B960494DF}">
-                <a14:hiddenLine xmlns:a14="http://schemas.microsoft.com/office/drawing/2010/main" xmlns="" w="9525">
+                <a14:hiddenLine xmlns="" xmlns:a14="http://schemas.microsoft.com/office/drawing/2010/main" w="9525">
                   <a:solidFill>
                     <a:srgbClr val="000000"/>
                   </a:solidFill>
@@ -3526,7 +3526,7 @@
             </a:ln>
             <a:extLst>
               <a:ext uri="{91240B29-F687-4f45-9708-019B960494DF}">
-                <a14:hiddenLine xmlns:a14="http://schemas.microsoft.com/office/drawing/2010/main" xmlns="" w="9525">
+                <a14:hiddenLine xmlns="" xmlns:a14="http://schemas.microsoft.com/office/drawing/2010/main" w="9525">
                   <a:solidFill>
                     <a:srgbClr val="000000"/>
                   </a:solidFill>
@@ -3588,7 +3588,7 @@
             </a:ln>
             <a:extLst>
               <a:ext uri="{91240B29-F687-4f45-9708-019B960494DF}">
-                <a14:hiddenLine xmlns:a14="http://schemas.microsoft.com/office/drawing/2010/main" xmlns="" w="9525">
+                <a14:hiddenLine xmlns="" xmlns:a14="http://schemas.microsoft.com/office/drawing/2010/main" w="9525">
                   <a:solidFill>
                     <a:srgbClr val="000000"/>
                   </a:solidFill>
@@ -3678,7 +3678,7 @@
             </a:ln>
             <a:extLst>
               <a:ext uri="{91240B29-F687-4f45-9708-019B960494DF}">
-                <a14:hiddenLine xmlns:a14="http://schemas.microsoft.com/office/drawing/2010/main" xmlns="" w="9525">
+                <a14:hiddenLine xmlns="" xmlns:a14="http://schemas.microsoft.com/office/drawing/2010/main" w="9525">
                   <a:solidFill>
                     <a:srgbClr val="000000"/>
                   </a:solidFill>
@@ -3740,7 +3740,7 @@
             </a:ln>
             <a:extLst>
               <a:ext uri="{91240B29-F687-4f45-9708-019B960494DF}">
-                <a14:hiddenLine xmlns:a14="http://schemas.microsoft.com/office/drawing/2010/main" xmlns="" w="9525">
+                <a14:hiddenLine xmlns="" xmlns:a14="http://schemas.microsoft.com/office/drawing/2010/main" w="9525">
                   <a:solidFill>
                     <a:srgbClr val="000000"/>
                   </a:solidFill>
@@ -3830,7 +3830,7 @@
             </a:ln>
             <a:extLst>
               <a:ext uri="{91240B29-F687-4f45-9708-019B960494DF}">
-                <a14:hiddenLine xmlns:a14="http://schemas.microsoft.com/office/drawing/2010/main" xmlns="" w="9525">
+                <a14:hiddenLine xmlns="" xmlns:a14="http://schemas.microsoft.com/office/drawing/2010/main" w="9525">
                   <a:solidFill>
                     <a:srgbClr val="000000"/>
                   </a:solidFill>
@@ -3864,7 +3864,7 @@
             </a:ln>
             <a:extLst>
               <a:ext uri="{91240B29-F687-4f45-9708-019B960494DF}">
-                <a14:hiddenLine xmlns:a14="http://schemas.microsoft.com/office/drawing/2010/main" xmlns="" w="9525">
+                <a14:hiddenLine xmlns="" xmlns:a14="http://schemas.microsoft.com/office/drawing/2010/main" w="9525">
                   <a:solidFill>
                     <a:srgbClr val="000000"/>
                   </a:solidFill>
@@ -3929,7 +3929,7 @@
             </a:ln>
             <a:extLst>
               <a:ext uri="{91240B29-F687-4f45-9708-019B960494DF}">
-                <a14:hiddenLine xmlns:a14="http://schemas.microsoft.com/office/drawing/2010/main" xmlns="" w="9525">
+                <a14:hiddenLine xmlns="" xmlns:a14="http://schemas.microsoft.com/office/drawing/2010/main" w="9525">
                   <a:solidFill>
                     <a:srgbClr val="000000"/>
                   </a:solidFill>
@@ -4019,7 +4019,7 @@
             </a:ln>
             <a:extLst>
               <a:ext uri="{91240B29-F687-4f45-9708-019B960494DF}">
-                <a14:hiddenLine xmlns:a14="http://schemas.microsoft.com/office/drawing/2010/main" xmlns="" w="9525">
+                <a14:hiddenLine xmlns="" xmlns:a14="http://schemas.microsoft.com/office/drawing/2010/main" w="9525">
                   <a:solidFill>
                     <a:srgbClr val="000000"/>
                   </a:solidFill>
@@ -4081,7 +4081,7 @@
             </a:ln>
             <a:extLst>
               <a:ext uri="{91240B29-F687-4f45-9708-019B960494DF}">
-                <a14:hiddenLine xmlns:a14="http://schemas.microsoft.com/office/drawing/2010/main" xmlns="" w="9525">
+                <a14:hiddenLine xmlns="" xmlns:a14="http://schemas.microsoft.com/office/drawing/2010/main" w="9525">
                   <a:solidFill>
                     <a:srgbClr val="000000"/>
                   </a:solidFill>
@@ -4171,7 +4171,7 @@
             </a:ln>
             <a:extLst>
               <a:ext uri="{91240B29-F687-4f45-9708-019B960494DF}">
-                <a14:hiddenLine xmlns:a14="http://schemas.microsoft.com/office/drawing/2010/main" xmlns="" w="9525">
+                <a14:hiddenLine xmlns="" xmlns:a14="http://schemas.microsoft.com/office/drawing/2010/main" w="9525">
                   <a:solidFill>
                     <a:srgbClr val="000000"/>
                   </a:solidFill>
@@ -4261,7 +4261,7 @@
             </a:ln>
             <a:extLst>
               <a:ext uri="{91240B29-F687-4f45-9708-019B960494DF}">
-                <a14:hiddenLine xmlns:a14="http://schemas.microsoft.com/office/drawing/2010/main" xmlns="" w="9525">
+                <a14:hiddenLine xmlns="" xmlns:a14="http://schemas.microsoft.com/office/drawing/2010/main" w="9525">
                   <a:solidFill>
                     <a:srgbClr val="000000"/>
                   </a:solidFill>
@@ -4326,7 +4326,7 @@
             </a:ln>
             <a:extLst>
               <a:ext uri="{91240B29-F687-4f45-9708-019B960494DF}">
-                <a14:hiddenLine xmlns:a14="http://schemas.microsoft.com/office/drawing/2010/main" xmlns="" w="9525">
+                <a14:hiddenLine xmlns="" xmlns:a14="http://schemas.microsoft.com/office/drawing/2010/main" w="9525">
                   <a:solidFill>
                     <a:srgbClr val="000000"/>
                   </a:solidFill>
@@ -4388,7 +4388,7 @@
             </a:ln>
             <a:extLst>
               <a:ext uri="{91240B29-F687-4f45-9708-019B960494DF}">
-                <a14:hiddenLine xmlns:a14="http://schemas.microsoft.com/office/drawing/2010/main" xmlns="" w="9525">
+                <a14:hiddenLine xmlns="" xmlns:a14="http://schemas.microsoft.com/office/drawing/2010/main" w="9525">
                   <a:solidFill>
                     <a:srgbClr val="000000"/>
                   </a:solidFill>
@@ -4478,7 +4478,7 @@
             </a:ln>
             <a:extLst>
               <a:ext uri="{91240B29-F687-4f45-9708-019B960494DF}">
-                <a14:hiddenLine xmlns:a14="http://schemas.microsoft.com/office/drawing/2010/main" xmlns="" w="9525">
+                <a14:hiddenLine xmlns="" xmlns:a14="http://schemas.microsoft.com/office/drawing/2010/main" w="9525">
                   <a:solidFill>
                     <a:srgbClr val="000000"/>
                   </a:solidFill>
@@ -4568,7 +4568,7 @@
             </a:ln>
             <a:extLst>
               <a:ext uri="{91240B29-F687-4f45-9708-019B960494DF}">
-                <a14:hiddenLine xmlns:a14="http://schemas.microsoft.com/office/drawing/2010/main" xmlns="" w="9525">
+                <a14:hiddenLine xmlns="" xmlns:a14="http://schemas.microsoft.com/office/drawing/2010/main" w="9525">
                   <a:solidFill>
                     <a:srgbClr val="000000"/>
                   </a:solidFill>
@@ -4630,7 +4630,7 @@
             </a:ln>
             <a:extLst>
               <a:ext uri="{91240B29-F687-4f45-9708-019B960494DF}">
-                <a14:hiddenLine xmlns:a14="http://schemas.microsoft.com/office/drawing/2010/main" xmlns="" w="9525">
+                <a14:hiddenLine xmlns="" xmlns:a14="http://schemas.microsoft.com/office/drawing/2010/main" w="9525">
                   <a:solidFill>
                     <a:srgbClr val="000000"/>
                   </a:solidFill>
@@ -4750,7 +4750,7 @@
             </a:ln>
             <a:extLst>
               <a:ext uri="{91240B29-F687-4f45-9708-019B960494DF}">
-                <a14:hiddenLine xmlns:a14="http://schemas.microsoft.com/office/drawing/2010/main" xmlns="" w="9525">
+                <a14:hiddenLine xmlns="" xmlns:a14="http://schemas.microsoft.com/office/drawing/2010/main" w="9525">
                   <a:solidFill>
                     <a:srgbClr val="000000"/>
                   </a:solidFill>
@@ -4818,7 +4818,7 @@
             </a:ln>
             <a:extLst>
               <a:ext uri="{91240B29-F687-4f45-9708-019B960494DF}">
-                <a14:hiddenLine xmlns:a14="http://schemas.microsoft.com/office/drawing/2010/main" xmlns="" w="9525">
+                <a14:hiddenLine xmlns="" xmlns:a14="http://schemas.microsoft.com/office/drawing/2010/main" w="9525">
                   <a:solidFill>
                     <a:srgbClr val="000000"/>
                   </a:solidFill>
@@ -4908,7 +4908,7 @@
             </a:ln>
             <a:extLst>
               <a:ext uri="{91240B29-F687-4f45-9708-019B960494DF}">
-                <a14:hiddenLine xmlns:a14="http://schemas.microsoft.com/office/drawing/2010/main" xmlns="" w="9525">
+                <a14:hiddenLine xmlns="" xmlns:a14="http://schemas.microsoft.com/office/drawing/2010/main" w="9525">
                   <a:solidFill>
                     <a:srgbClr val="000000"/>
                   </a:solidFill>
@@ -9721,7 +9721,7 @@
           <a:noFill/>
           <a:extLst>
             <a:ext uri="{909E8E84-426E-40dd-AFC4-6F175D3DCCD1}">
-              <a14:hiddenFill xmlns:a14="http://schemas.microsoft.com/office/drawing/2010/main" xmlns="">
+              <a14:hiddenFill xmlns="" xmlns:a14="http://schemas.microsoft.com/office/drawing/2010/main">
                 <a:solidFill>
                   <a:srgbClr val="FFFFFF"/>
                 </a:solidFill>
@@ -9795,7 +9795,7 @@
               </a:ln>
               <a:extLst>
                 <a:ext uri="{91240B29-F687-4f45-9708-019B960494DF}">
-                  <a14:hiddenLine xmlns:a14="http://schemas.microsoft.com/office/drawing/2010/main" xmlns="" w="9525">
+                  <a14:hiddenLine xmlns="" xmlns:a14="http://schemas.microsoft.com/office/drawing/2010/main" w="9525">
                     <a:solidFill>
                       <a:srgbClr val="000000"/>
                     </a:solidFill>
@@ -9885,7 +9885,7 @@
               </a:ln>
               <a:extLst>
                 <a:ext uri="{91240B29-F687-4f45-9708-019B960494DF}">
-                  <a14:hiddenLine xmlns:a14="http://schemas.microsoft.com/office/drawing/2010/main" xmlns="" w="9525">
+                  <a14:hiddenLine xmlns="" xmlns:a14="http://schemas.microsoft.com/office/drawing/2010/main" w="9525">
                     <a:solidFill>
                       <a:srgbClr val="000000"/>
                     </a:solidFill>
@@ -9975,7 +9975,7 @@
               </a:ln>
               <a:extLst>
                 <a:ext uri="{91240B29-F687-4f45-9708-019B960494DF}">
-                  <a14:hiddenLine xmlns:a14="http://schemas.microsoft.com/office/drawing/2010/main" xmlns="" w="9525">
+                  <a14:hiddenLine xmlns="" xmlns:a14="http://schemas.microsoft.com/office/drawing/2010/main" w="9525">
                     <a:solidFill>
                       <a:srgbClr val="000000"/>
                     </a:solidFill>
@@ -10037,7 +10037,7 @@
               </a:ln>
               <a:extLst>
                 <a:ext uri="{91240B29-F687-4f45-9708-019B960494DF}">
-                  <a14:hiddenLine xmlns:a14="http://schemas.microsoft.com/office/drawing/2010/main" xmlns="" w="9525">
+                  <a14:hiddenLine xmlns="" xmlns:a14="http://schemas.microsoft.com/office/drawing/2010/main" w="9525">
                     <a:solidFill>
                       <a:srgbClr val="000000"/>
                     </a:solidFill>
@@ -10127,7 +10127,7 @@
               </a:ln>
               <a:extLst>
                 <a:ext uri="{91240B29-F687-4f45-9708-019B960494DF}">
-                  <a14:hiddenLine xmlns:a14="http://schemas.microsoft.com/office/drawing/2010/main" xmlns="" w="9525">
+                  <a14:hiddenLine xmlns="" xmlns:a14="http://schemas.microsoft.com/office/drawing/2010/main" w="9525">
                     <a:solidFill>
                       <a:srgbClr val="000000"/>
                     </a:solidFill>
@@ -10189,7 +10189,7 @@
               </a:ln>
               <a:extLst>
                 <a:ext uri="{91240B29-F687-4f45-9708-019B960494DF}">
-                  <a14:hiddenLine xmlns:a14="http://schemas.microsoft.com/office/drawing/2010/main" xmlns="" w="9525">
+                  <a14:hiddenLine xmlns="" xmlns:a14="http://schemas.microsoft.com/office/drawing/2010/main" w="9525">
                     <a:solidFill>
                       <a:srgbClr val="000000"/>
                     </a:solidFill>
@@ -10251,7 +10251,7 @@
               </a:ln>
               <a:extLst>
                 <a:ext uri="{91240B29-F687-4f45-9708-019B960494DF}">
-                  <a14:hiddenLine xmlns:a14="http://schemas.microsoft.com/office/drawing/2010/main" xmlns="" w="9525">
+                  <a14:hiddenLine xmlns="" xmlns:a14="http://schemas.microsoft.com/office/drawing/2010/main" w="9525">
                     <a:solidFill>
                       <a:srgbClr val="000000"/>
                     </a:solidFill>
@@ -10341,7 +10341,7 @@
               </a:ln>
               <a:extLst>
                 <a:ext uri="{91240B29-F687-4f45-9708-019B960494DF}">
-                  <a14:hiddenLine xmlns:a14="http://schemas.microsoft.com/office/drawing/2010/main" xmlns="" w="9525">
+                  <a14:hiddenLine xmlns="" xmlns:a14="http://schemas.microsoft.com/office/drawing/2010/main" w="9525">
                     <a:solidFill>
                       <a:srgbClr val="000000"/>
                     </a:solidFill>
@@ -10431,7 +10431,7 @@
               </a:ln>
               <a:extLst>
                 <a:ext uri="{91240B29-F687-4f45-9708-019B960494DF}">
-                  <a14:hiddenLine xmlns:a14="http://schemas.microsoft.com/office/drawing/2010/main" xmlns="" w="9525">
+                  <a14:hiddenLine xmlns="" xmlns:a14="http://schemas.microsoft.com/office/drawing/2010/main" w="9525">
                     <a:solidFill>
                       <a:srgbClr val="000000"/>
                     </a:solidFill>
@@ -10493,7 +10493,7 @@
               </a:ln>
               <a:extLst>
                 <a:ext uri="{91240B29-F687-4f45-9708-019B960494DF}">
-                  <a14:hiddenLine xmlns:a14="http://schemas.microsoft.com/office/drawing/2010/main" xmlns="" w="9525">
+                  <a14:hiddenLine xmlns="" xmlns:a14="http://schemas.microsoft.com/office/drawing/2010/main" w="9525">
                     <a:solidFill>
                       <a:srgbClr val="000000"/>
                     </a:solidFill>
@@ -10603,7 +10603,7 @@
               </a:ln>
               <a:extLst>
                 <a:ext uri="{91240B29-F687-4f45-9708-019B960494DF}">
-                  <a14:hiddenLine xmlns:a14="http://schemas.microsoft.com/office/drawing/2010/main" xmlns="" w="9525">
+                  <a14:hiddenLine xmlns="" xmlns:a14="http://schemas.microsoft.com/office/drawing/2010/main" w="9525">
                     <a:solidFill>
                       <a:srgbClr val="000000"/>
                     </a:solidFill>
@@ -10687,7 +10687,7 @@
               </a:ln>
               <a:extLst>
                 <a:ext uri="{91240B29-F687-4f45-9708-019B960494DF}">
-                  <a14:hiddenLine xmlns:a14="http://schemas.microsoft.com/office/drawing/2010/main" xmlns="" w="9525">
+                  <a14:hiddenLine xmlns="" xmlns:a14="http://schemas.microsoft.com/office/drawing/2010/main" w="9525">
                     <a:solidFill>
                       <a:srgbClr val="000000"/>
                     </a:solidFill>
@@ -10749,7 +10749,7 @@
               </a:ln>
               <a:extLst>
                 <a:ext uri="{91240B29-F687-4f45-9708-019B960494DF}">
-                  <a14:hiddenLine xmlns:a14="http://schemas.microsoft.com/office/drawing/2010/main" xmlns="" w="9525">
+                  <a14:hiddenLine xmlns="" xmlns:a14="http://schemas.microsoft.com/office/drawing/2010/main" w="9525">
                     <a:solidFill>
                       <a:srgbClr val="000000"/>
                     </a:solidFill>
@@ -10811,7 +10811,7 @@
               </a:ln>
               <a:extLst>
                 <a:ext uri="{91240B29-F687-4f45-9708-019B960494DF}">
-                  <a14:hiddenLine xmlns:a14="http://schemas.microsoft.com/office/drawing/2010/main" xmlns="" w="9525">
+                  <a14:hiddenLine xmlns="" xmlns:a14="http://schemas.microsoft.com/office/drawing/2010/main" w="9525">
                     <a:solidFill>
                       <a:srgbClr val="000000"/>
                     </a:solidFill>
@@ -10901,7 +10901,7 @@
               </a:ln>
               <a:extLst>
                 <a:ext uri="{91240B29-F687-4f45-9708-019B960494DF}">
-                  <a14:hiddenLine xmlns:a14="http://schemas.microsoft.com/office/drawing/2010/main" xmlns="" w="9525">
+                  <a14:hiddenLine xmlns="" xmlns:a14="http://schemas.microsoft.com/office/drawing/2010/main" w="9525">
                     <a:solidFill>
                       <a:srgbClr val="000000"/>
                     </a:solidFill>
@@ -10935,7 +10935,7 @@
               </a:ln>
               <a:extLst>
                 <a:ext uri="{91240B29-F687-4f45-9708-019B960494DF}">
-                  <a14:hiddenLine xmlns:a14="http://schemas.microsoft.com/office/drawing/2010/main" xmlns="" w="9525">
+                  <a14:hiddenLine xmlns="" xmlns:a14="http://schemas.microsoft.com/office/drawing/2010/main" w="9525">
                     <a:solidFill>
                       <a:srgbClr val="000000"/>
                     </a:solidFill>
@@ -11000,7 +11000,7 @@
               </a:ln>
               <a:extLst>
                 <a:ext uri="{91240B29-F687-4f45-9708-019B960494DF}">
-                  <a14:hiddenLine xmlns:a14="http://schemas.microsoft.com/office/drawing/2010/main" xmlns="" w="9525">
+                  <a14:hiddenLine xmlns="" xmlns:a14="http://schemas.microsoft.com/office/drawing/2010/main" w="9525">
                     <a:solidFill>
                       <a:srgbClr val="000000"/>
                     </a:solidFill>
@@ -11090,7 +11090,7 @@
               </a:ln>
               <a:extLst>
                 <a:ext uri="{91240B29-F687-4f45-9708-019B960494DF}">
-                  <a14:hiddenLine xmlns:a14="http://schemas.microsoft.com/office/drawing/2010/main" xmlns="" w="9525">
+                  <a14:hiddenLine xmlns="" xmlns:a14="http://schemas.microsoft.com/office/drawing/2010/main" w="9525">
                     <a:solidFill>
                       <a:srgbClr val="000000"/>
                     </a:solidFill>
@@ -11152,7 +11152,7 @@
               </a:ln>
               <a:extLst>
                 <a:ext uri="{91240B29-F687-4f45-9708-019B960494DF}">
-                  <a14:hiddenLine xmlns:a14="http://schemas.microsoft.com/office/drawing/2010/main" xmlns="" w="9525">
+                  <a14:hiddenLine xmlns="" xmlns:a14="http://schemas.microsoft.com/office/drawing/2010/main" w="9525">
                     <a:solidFill>
                       <a:srgbClr val="000000"/>
                     </a:solidFill>
@@ -11242,7 +11242,7 @@
               </a:ln>
               <a:extLst>
                 <a:ext uri="{91240B29-F687-4f45-9708-019B960494DF}">
-                  <a14:hiddenLine xmlns:a14="http://schemas.microsoft.com/office/drawing/2010/main" xmlns="" w="9525">
+                  <a14:hiddenLine xmlns="" xmlns:a14="http://schemas.microsoft.com/office/drawing/2010/main" w="9525">
                     <a:solidFill>
                       <a:srgbClr val="000000"/>
                     </a:solidFill>
@@ -11307,7 +11307,7 @@
               </a:ln>
               <a:extLst>
                 <a:ext uri="{91240B29-F687-4f45-9708-019B960494DF}">
-                  <a14:hiddenLine xmlns:a14="http://schemas.microsoft.com/office/drawing/2010/main" xmlns="" w="9525">
+                  <a14:hiddenLine xmlns="" xmlns:a14="http://schemas.microsoft.com/office/drawing/2010/main" w="9525">
                     <a:solidFill>
                       <a:srgbClr val="000000"/>
                     </a:solidFill>
@@ -11369,7 +11369,7 @@
               </a:ln>
               <a:extLst>
                 <a:ext uri="{91240B29-F687-4f45-9708-019B960494DF}">
-                  <a14:hiddenLine xmlns:a14="http://schemas.microsoft.com/office/drawing/2010/main" xmlns="" w="9525">
+                  <a14:hiddenLine xmlns="" xmlns:a14="http://schemas.microsoft.com/office/drawing/2010/main" w="9525">
                     <a:solidFill>
                       <a:srgbClr val="000000"/>
                     </a:solidFill>
@@ -11459,7 +11459,7 @@
               </a:ln>
               <a:extLst>
                 <a:ext uri="{91240B29-F687-4f45-9708-019B960494DF}">
-                  <a14:hiddenLine xmlns:a14="http://schemas.microsoft.com/office/drawing/2010/main" xmlns="" w="9525">
+                  <a14:hiddenLine xmlns="" xmlns:a14="http://schemas.microsoft.com/office/drawing/2010/main" w="9525">
                     <a:solidFill>
                       <a:srgbClr val="000000"/>
                     </a:solidFill>
@@ -11549,7 +11549,7 @@
               </a:ln>
               <a:extLst>
                 <a:ext uri="{91240B29-F687-4f45-9708-019B960494DF}">
-                  <a14:hiddenLine xmlns:a14="http://schemas.microsoft.com/office/drawing/2010/main" xmlns="" w="9525">
+                  <a14:hiddenLine xmlns="" xmlns:a14="http://schemas.microsoft.com/office/drawing/2010/main" w="9525">
                     <a:solidFill>
                       <a:srgbClr val="000000"/>
                     </a:solidFill>
@@ -11614,7 +11614,7 @@
               </a:ln>
               <a:extLst>
                 <a:ext uri="{91240B29-F687-4f45-9708-019B960494DF}">
-                  <a14:hiddenLine xmlns:a14="http://schemas.microsoft.com/office/drawing/2010/main" xmlns="" w="9525">
+                  <a14:hiddenLine xmlns="" xmlns:a14="http://schemas.microsoft.com/office/drawing/2010/main" w="9525">
                     <a:solidFill>
                       <a:srgbClr val="000000"/>
                     </a:solidFill>
@@ -11734,7 +11734,7 @@
               </a:ln>
               <a:extLst>
                 <a:ext uri="{91240B29-F687-4f45-9708-019B960494DF}">
-                  <a14:hiddenLine xmlns:a14="http://schemas.microsoft.com/office/drawing/2010/main" xmlns="" w="9525">
+                  <a14:hiddenLine xmlns="" xmlns:a14="http://schemas.microsoft.com/office/drawing/2010/main" w="9525">
                     <a:solidFill>
                       <a:srgbClr val="000000"/>
                     </a:solidFill>
@@ -11832,7 +11832,7 @@
               </a:ln>
               <a:extLst>
                 <a:ext uri="{91240B29-F687-4f45-9708-019B960494DF}">
-                  <a14:hiddenLine xmlns:a14="http://schemas.microsoft.com/office/drawing/2010/main" xmlns="" w="9525">
+                  <a14:hiddenLine xmlns="" xmlns:a14="http://schemas.microsoft.com/office/drawing/2010/main" w="9525">
                     <a:solidFill>
                       <a:srgbClr val="000000"/>
                     </a:solidFill>
@@ -11947,7 +11947,7 @@
               </a:ln>
               <a:extLst>
                 <a:ext uri="{91240B29-F687-4f45-9708-019B960494DF}">
-                  <a14:hiddenLine xmlns:a14="http://schemas.microsoft.com/office/drawing/2010/main" xmlns="" w="9525">
+                  <a14:hiddenLine xmlns="" xmlns:a14="http://schemas.microsoft.com/office/drawing/2010/main" w="9525">
                     <a:solidFill>
                       <a:srgbClr val="000000"/>
                     </a:solidFill>
@@ -12037,7 +12037,7 @@
               </a:ln>
               <a:extLst>
                 <a:ext uri="{91240B29-F687-4f45-9708-019B960494DF}">
-                  <a14:hiddenLine xmlns:a14="http://schemas.microsoft.com/office/drawing/2010/main" xmlns="" w="9525">
+                  <a14:hiddenLine xmlns="" xmlns:a14="http://schemas.microsoft.com/office/drawing/2010/main" w="9525">
                     <a:solidFill>
                       <a:srgbClr val="000000"/>
                     </a:solidFill>
@@ -12102,7 +12102,7 @@
               </a:ln>
               <a:extLst>
                 <a:ext uri="{91240B29-F687-4f45-9708-019B960494DF}">
-                  <a14:hiddenLine xmlns:a14="http://schemas.microsoft.com/office/drawing/2010/main" xmlns="" w="9525">
+                  <a14:hiddenLine xmlns="" xmlns:a14="http://schemas.microsoft.com/office/drawing/2010/main" w="9525">
                     <a:solidFill>
                       <a:srgbClr val="000000"/>
                     </a:solidFill>
@@ -12192,7 +12192,7 @@
               </a:ln>
               <a:extLst>
                 <a:ext uri="{91240B29-F687-4f45-9708-019B960494DF}">
-                  <a14:hiddenLine xmlns:a14="http://schemas.microsoft.com/office/drawing/2010/main" xmlns="" w="9525">
+                  <a14:hiddenLine xmlns="" xmlns:a14="http://schemas.microsoft.com/office/drawing/2010/main" w="9525">
                     <a:solidFill>
                       <a:srgbClr val="000000"/>
                     </a:solidFill>
@@ -12260,7 +12260,7 @@
               </a:ln>
               <a:extLst>
                 <a:ext uri="{91240B29-F687-4f45-9708-019B960494DF}">
-                  <a14:hiddenLine xmlns:a14="http://schemas.microsoft.com/office/drawing/2010/main" xmlns="" w="9525">
+                  <a14:hiddenLine xmlns="" xmlns:a14="http://schemas.microsoft.com/office/drawing/2010/main" w="9525">
                     <a:solidFill>
                       <a:srgbClr val="000000"/>
                     </a:solidFill>
@@ -12350,7 +12350,7 @@
               </a:ln>
               <a:extLst>
                 <a:ext uri="{91240B29-F687-4f45-9708-019B960494DF}">
-                  <a14:hiddenLine xmlns:a14="http://schemas.microsoft.com/office/drawing/2010/main" xmlns="" w="9525">
+                  <a14:hiddenLine xmlns="" xmlns:a14="http://schemas.microsoft.com/office/drawing/2010/main" w="9525">
                     <a:solidFill>
                       <a:srgbClr val="000000"/>
                     </a:solidFill>
@@ -12418,7 +12418,7 @@
               </a:ln>
               <a:extLst>
                 <a:ext uri="{91240B29-F687-4f45-9708-019B960494DF}">
-                  <a14:hiddenLine xmlns:a14="http://schemas.microsoft.com/office/drawing/2010/main" xmlns="" w="9525">
+                  <a14:hiddenLine xmlns="" xmlns:a14="http://schemas.microsoft.com/office/drawing/2010/main" w="9525">
                     <a:solidFill>
                       <a:srgbClr val="000000"/>
                     </a:solidFill>
@@ -12508,7 +12508,7 @@
               </a:ln>
               <a:extLst>
                 <a:ext uri="{91240B29-F687-4f45-9708-019B960494DF}">
-                  <a14:hiddenLine xmlns:a14="http://schemas.microsoft.com/office/drawing/2010/main" xmlns="" w="9525">
+                  <a14:hiddenLine xmlns="" xmlns:a14="http://schemas.microsoft.com/office/drawing/2010/main" w="9525">
                     <a:solidFill>
                       <a:srgbClr val="000000"/>
                     </a:solidFill>
@@ -12542,7 +12542,7 @@
               </a:ln>
               <a:extLst>
                 <a:ext uri="{91240B29-F687-4f45-9708-019B960494DF}">
-                  <a14:hiddenLine xmlns:a14="http://schemas.microsoft.com/office/drawing/2010/main" xmlns="" w="9525">
+                  <a14:hiddenLine xmlns="" xmlns:a14="http://schemas.microsoft.com/office/drawing/2010/main" w="9525">
                     <a:solidFill>
                       <a:srgbClr val="000000"/>
                     </a:solidFill>
@@ -15281,138 +15281,6 @@
           </a:p>
         </p:txBody>
       </p:sp>
-      <p:pic>
-        <p:nvPicPr>
-          <p:cNvPr id="10" name="Image 10" descr="Une image contenant texte, Graphique, capture d’écran, carte&#10;&#10;Description générée automatiquement">
-            <a:extLst>
-              <a:ext uri="{FF2B5EF4-FFF2-40B4-BE49-F238E27FC236}">
-                <a16:creationId xmlns:a16="http://schemas.microsoft.com/office/drawing/2014/main" id="{AC83E2BB-27EC-45DD-3C58-FEB30DEE11DC}"/>
-              </a:ext>
-            </a:extLst>
-          </p:cNvPr>
-          <p:cNvPicPr>
-            <a:picLocks noGrp="1" noChangeAspect="1"/>
-          </p:cNvPicPr>
-          <p:nvPr>
-            <p:ph sz="half" idx="2"/>
-          </p:nvPr>
-        </p:nvPicPr>
-        <p:blipFill>
-          <a:blip r:embed="rId2"/>
-          <a:stretch>
-            <a:fillRect/>
-          </a:stretch>
-        </p:blipFill>
-        <p:spPr>
-          <a:xfrm>
-            <a:off x="8316685" y="-173329"/>
-            <a:ext cx="3019372" cy="1898655"/>
-          </a:xfrm>
-        </p:spPr>
-      </p:pic>
-      <p:pic>
-        <p:nvPicPr>
-          <p:cNvPr id="7" name="Image 6">
-            <a:extLst>
-              <a:ext uri="{FF2B5EF4-FFF2-40B4-BE49-F238E27FC236}">
-                <a16:creationId xmlns:a16="http://schemas.microsoft.com/office/drawing/2014/main" id="{8D4E3EF6-ECD0-420C-AFFB-7B49EDBDADF5}"/>
-              </a:ext>
-            </a:extLst>
-          </p:cNvPr>
-          <p:cNvPicPr>
-            <a:picLocks noChangeAspect="1"/>
-          </p:cNvPicPr>
-          <p:nvPr/>
-        </p:nvPicPr>
-        <p:blipFill>
-          <a:blip r:embed="rId3"/>
-          <a:stretch>
-            <a:fillRect/>
-          </a:stretch>
-        </p:blipFill>
-        <p:spPr>
-          <a:xfrm>
-            <a:off x="3290915" y="2188028"/>
-            <a:ext cx="5025770" cy="3312000"/>
-          </a:xfrm>
-          <a:prstGeom prst="rect">
-            <a:avLst/>
-          </a:prstGeom>
-          <a:ln>
-            <a:noFill/>
-          </a:ln>
-          <a:effectLst>
-            <a:outerShdw blurRad="292100" dist="139700" dir="2700000" algn="tl" rotWithShape="0">
-              <a:srgbClr val="333333">
-                <a:alpha val="65000"/>
-              </a:srgbClr>
-            </a:outerShdw>
-          </a:effectLst>
-        </p:spPr>
-      </p:pic>
-    </p:spTree>
-    <p:extLst>
-      <p:ext uri="{BB962C8B-B14F-4D97-AF65-F5344CB8AC3E}">
-        <p14:creationId xmlns:p14="http://schemas.microsoft.com/office/powerpoint/2010/main" val="950139660"/>
-      </p:ext>
-    </p:extLst>
-  </p:cSld>
-  <p:clrMapOvr>
-    <a:masterClrMapping/>
-  </p:clrMapOvr>
-</p:sld>
-</file>
-
-<file path=ppt/slides/slide17.xml><?xml version="1.0" encoding="utf-8"?>
-<p:sld xmlns:a="http://schemas.openxmlformats.org/drawingml/2006/main" xmlns:r="http://schemas.openxmlformats.org/officeDocument/2006/relationships" xmlns:p="http://schemas.openxmlformats.org/presentationml/2006/main">
-  <p:cSld>
-    <p:spTree>
-      <p:nvGrpSpPr>
-        <p:cNvPr id="1" name=""/>
-        <p:cNvGrpSpPr/>
-        <p:nvPr/>
-      </p:nvGrpSpPr>
-      <p:grpSpPr>
-        <a:xfrm>
-          <a:off x="0" y="0"/>
-          <a:ext cx="0" cy="0"/>
-          <a:chOff x="0" y="0"/>
-          <a:chExt cx="0" cy="0"/>
-        </a:xfrm>
-      </p:grpSpPr>
-      <p:sp>
-        <p:nvSpPr>
-          <p:cNvPr id="2" name="Titre 1">
-            <a:extLst>
-              <a:ext uri="{FF2B5EF4-FFF2-40B4-BE49-F238E27FC236}">
-                <a16:creationId xmlns:a16="http://schemas.microsoft.com/office/drawing/2014/main" id="{D35F439C-3518-B887-2F06-5C4EEA3839BB}"/>
-              </a:ext>
-            </a:extLst>
-          </p:cNvPr>
-          <p:cNvSpPr>
-            <a:spLocks noGrp="1"/>
-          </p:cNvSpPr>
-          <p:nvPr>
-            <p:ph type="title"/>
-          </p:nvPr>
-        </p:nvSpPr>
-        <p:spPr>
-          <a:xfrm>
-            <a:off x="1141410" y="-46160"/>
-            <a:ext cx="7693740" cy="1478570"/>
-          </a:xfrm>
-        </p:spPr>
-        <p:txBody>
-          <a:bodyPr/>
-          <a:lstStyle/>
-          <a:p>
-            <a:r>
-              <a:rPr lang="fr-FR" b="1" dirty="0"/>
-              <a:t>L’APPLICATION MOBILE</a:t>
-            </a:r>
-          </a:p>
-        </p:txBody>
-      </p:sp>
       <p:sp>
         <p:nvSpPr>
           <p:cNvPr id="3" name="Espace réservé du contenu 2">
@@ -15636,6 +15504,138 @@
 </p:sld>
 </file>
 
+<file path=ppt/slides/slide17.xml><?xml version="1.0" encoding="utf-8"?>
+<p:sld xmlns:a="http://schemas.openxmlformats.org/drawingml/2006/main" xmlns:r="http://schemas.openxmlformats.org/officeDocument/2006/relationships" xmlns:p="http://schemas.openxmlformats.org/presentationml/2006/main">
+  <p:cSld>
+    <p:spTree>
+      <p:nvGrpSpPr>
+        <p:cNvPr id="1" name=""/>
+        <p:cNvGrpSpPr/>
+        <p:nvPr/>
+      </p:nvGrpSpPr>
+      <p:grpSpPr>
+        <a:xfrm>
+          <a:off x="0" y="0"/>
+          <a:ext cx="0" cy="0"/>
+          <a:chOff x="0" y="0"/>
+          <a:chExt cx="0" cy="0"/>
+        </a:xfrm>
+      </p:grpSpPr>
+      <p:sp>
+        <p:nvSpPr>
+          <p:cNvPr id="2" name="Titre 1">
+            <a:extLst>
+              <a:ext uri="{FF2B5EF4-FFF2-40B4-BE49-F238E27FC236}">
+                <a16:creationId xmlns:a16="http://schemas.microsoft.com/office/drawing/2014/main" id="{D35F439C-3518-B887-2F06-5C4EEA3839BB}"/>
+              </a:ext>
+            </a:extLst>
+          </p:cNvPr>
+          <p:cNvSpPr>
+            <a:spLocks noGrp="1"/>
+          </p:cNvSpPr>
+          <p:nvPr>
+            <p:ph type="title"/>
+          </p:nvPr>
+        </p:nvSpPr>
+        <p:spPr>
+          <a:xfrm>
+            <a:off x="1141410" y="-46160"/>
+            <a:ext cx="7693740" cy="1478570"/>
+          </a:xfrm>
+        </p:spPr>
+        <p:txBody>
+          <a:bodyPr/>
+          <a:lstStyle/>
+          <a:p>
+            <a:r>
+              <a:rPr lang="fr-FR" b="1" dirty="0"/>
+              <a:t>L’APPLICATION MOBILE</a:t>
+            </a:r>
+          </a:p>
+        </p:txBody>
+      </p:sp>
+      <p:pic>
+        <p:nvPicPr>
+          <p:cNvPr id="10" name="Image 10" descr="Une image contenant texte, Graphique, capture d’écran, carte&#10;&#10;Description générée automatiquement">
+            <a:extLst>
+              <a:ext uri="{FF2B5EF4-FFF2-40B4-BE49-F238E27FC236}">
+                <a16:creationId xmlns:a16="http://schemas.microsoft.com/office/drawing/2014/main" id="{AC83E2BB-27EC-45DD-3C58-FEB30DEE11DC}"/>
+              </a:ext>
+            </a:extLst>
+          </p:cNvPr>
+          <p:cNvPicPr>
+            <a:picLocks noGrp="1" noChangeAspect="1"/>
+          </p:cNvPicPr>
+          <p:nvPr>
+            <p:ph sz="half" idx="2"/>
+          </p:nvPr>
+        </p:nvPicPr>
+        <p:blipFill>
+          <a:blip r:embed="rId2"/>
+          <a:stretch>
+            <a:fillRect/>
+          </a:stretch>
+        </p:blipFill>
+        <p:spPr>
+          <a:xfrm>
+            <a:off x="8316685" y="-173329"/>
+            <a:ext cx="3019372" cy="1898655"/>
+          </a:xfrm>
+        </p:spPr>
+      </p:pic>
+      <p:pic>
+        <p:nvPicPr>
+          <p:cNvPr id="7" name="Image 6">
+            <a:extLst>
+              <a:ext uri="{FF2B5EF4-FFF2-40B4-BE49-F238E27FC236}">
+                <a16:creationId xmlns:a16="http://schemas.microsoft.com/office/drawing/2014/main" id="{8D4E3EF6-ECD0-420C-AFFB-7B49EDBDADF5}"/>
+              </a:ext>
+            </a:extLst>
+          </p:cNvPr>
+          <p:cNvPicPr>
+            <a:picLocks noChangeAspect="1"/>
+          </p:cNvPicPr>
+          <p:nvPr/>
+        </p:nvPicPr>
+        <p:blipFill>
+          <a:blip r:embed="rId3"/>
+          <a:stretch>
+            <a:fillRect/>
+          </a:stretch>
+        </p:blipFill>
+        <p:spPr>
+          <a:xfrm>
+            <a:off x="3290915" y="2188028"/>
+            <a:ext cx="5025770" cy="3312000"/>
+          </a:xfrm>
+          <a:prstGeom prst="rect">
+            <a:avLst/>
+          </a:prstGeom>
+          <a:ln>
+            <a:noFill/>
+          </a:ln>
+          <a:effectLst>
+            <a:outerShdw blurRad="292100" dist="139700" dir="2700000" algn="tl" rotWithShape="0">
+              <a:srgbClr val="333333">
+                <a:alpha val="65000"/>
+              </a:srgbClr>
+            </a:outerShdw>
+          </a:effectLst>
+        </p:spPr>
+      </p:pic>
+    </p:spTree>
+    <p:extLst>
+      <p:ext uri="{BB962C8B-B14F-4D97-AF65-F5344CB8AC3E}">
+        <p14:creationId xmlns:p14="http://schemas.microsoft.com/office/powerpoint/2010/main" val="950139660"/>
+      </p:ext>
+    </p:extLst>
+  </p:cSld>
+  <p:clrMapOvr>
+    <a:masterClrMapping/>
+  </p:clrMapOvr>
+</p:sld>
+</file>
+
 <file path=ppt/slides/slide18.xml><?xml version="1.0" encoding="utf-8"?>
 <p:sld xmlns:a="http://schemas.openxmlformats.org/drawingml/2006/main" xmlns:r="http://schemas.openxmlformats.org/officeDocument/2006/relationships" xmlns:p="http://schemas.openxmlformats.org/presentationml/2006/main">
   <p:cSld>
@@ -15704,7 +15704,7 @@
         </p:nvSpPr>
         <p:spPr>
           <a:xfrm>
-            <a:off x="855943" y="1438289"/>
+            <a:off x="855943" y="1366571"/>
             <a:ext cx="10322802" cy="5030877"/>
           </a:xfrm>
         </p:spPr>
@@ -15916,39 +15916,6 @@
           <a:chExt cx="0" cy="0"/>
         </a:xfrm>
       </p:grpSpPr>
-      <p:sp>
-        <p:nvSpPr>
-          <p:cNvPr id="2" name="Titre 1">
-            <a:extLst>
-              <a:ext uri="{FF2B5EF4-FFF2-40B4-BE49-F238E27FC236}">
-                <a16:creationId xmlns:a16="http://schemas.microsoft.com/office/drawing/2014/main" id="{D35F439C-3518-B887-2F06-5C4EEA3839BB}"/>
-              </a:ext>
-            </a:extLst>
-          </p:cNvPr>
-          <p:cNvSpPr>
-            <a:spLocks noGrp="1"/>
-          </p:cNvSpPr>
-          <p:nvPr>
-            <p:ph type="title"/>
-          </p:nvPr>
-        </p:nvSpPr>
-        <p:spPr>
-          <a:xfrm>
-            <a:off x="1141410" y="-46160"/>
-            <a:ext cx="7693740" cy="1478570"/>
-          </a:xfrm>
-        </p:spPr>
-        <p:txBody>
-          <a:bodyPr/>
-          <a:lstStyle/>
-          <a:p>
-            <a:r>
-              <a:rPr lang="fr-FR" b="1" dirty="0"/>
-              <a:t>RETOUR D’EXPERIENCE</a:t>
-            </a:r>
-          </a:p>
-        </p:txBody>
-      </p:sp>
       <p:sp>
         <p:nvSpPr>
           <p:cNvPr id="3" name="Espace réservé du contenu 2">

--- a/Documentation/Présentation/cubes3Groupe.pptx
+++ b/Documentation/Présentation/cubes3Groupe.pptx
@@ -18,12 +18,12 @@
     <p:sldId id="263" r:id="rId6"/>
     <p:sldId id="264" r:id="rId7"/>
     <p:sldId id="265" r:id="rId8"/>
-    <p:sldId id="275" r:id="rId9"/>
-    <p:sldId id="266" r:id="rId10"/>
-    <p:sldId id="267" r:id="rId11"/>
-    <p:sldId id="268" r:id="rId12"/>
-    <p:sldId id="269" r:id="rId13"/>
-    <p:sldId id="270" r:id="rId14"/>
+    <p:sldId id="266" r:id="rId9"/>
+    <p:sldId id="267" r:id="rId10"/>
+    <p:sldId id="268" r:id="rId11"/>
+    <p:sldId id="269" r:id="rId12"/>
+    <p:sldId id="270" r:id="rId13"/>
+    <p:sldId id="275" r:id="rId14"/>
     <p:sldId id="274" r:id="rId15"/>
     <p:sldId id="271" r:id="rId16"/>
     <p:sldId id="272" r:id="rId17"/>
@@ -241,7 +241,7 @@
           <a:p>
             <a:fld id="{ECB630AF-4A22-442B-A90C-CF8A5596C07A}" type="datetime1">
               <a:rPr lang="fr-FR" smtClean="0"/>
-              <a:t>05/07/2023</a:t>
+              <a:t>06/07/2023</a:t>
             </a:fld>
             <a:endParaRPr lang="fr-FR" dirty="0"/>
           </a:p>
@@ -420,7 +420,7 @@
             <a:fld id="{A942032E-1DA1-4EB9-8EAC-82ECCBFFB3BF}" type="datetime1">
               <a:rPr lang="fr-FR" smtClean="0"/>
               <a:pPr/>
-              <a:t>05/07/2023</a:t>
+              <a:t>06/07/2023</a:t>
             </a:fld>
             <a:endParaRPr lang="fr-FR" dirty="0"/>
           </a:p>
@@ -5049,7 +5049,7 @@
             <a:pPr rtl="0"/>
             <a:fld id="{CF08D668-4BC0-4CDB-9B86-DE682481DFF9}" type="datetime1">
               <a:rPr lang="fr-FR" noProof="0" smtClean="0"/>
-              <a:t>05/07/2023</a:t>
+              <a:t>06/07/2023</a:t>
             </a:fld>
             <a:endParaRPr lang="fr-FR" noProof="0"/>
           </a:p>
@@ -5313,7 +5313,7 @@
             <a:pPr rtl="0"/>
             <a:fld id="{042A2F9B-B86E-43F2-B18A-D15C606BA300}" type="datetime1">
               <a:rPr lang="fr-FR" noProof="0" smtClean="0"/>
-              <a:t>05/07/2023</a:t>
+              <a:t>06/07/2023</a:t>
             </a:fld>
             <a:endParaRPr lang="fr-FR" noProof="0"/>
           </a:p>
@@ -5507,7 +5507,7 @@
             <a:pPr rtl="0"/>
             <a:fld id="{EDF4344E-2C8A-4FC4-815A-156BDBB794F2}" type="datetime1">
               <a:rPr lang="fr-FR" noProof="0" smtClean="0"/>
-              <a:t>05/07/2023</a:t>
+              <a:t>06/07/2023</a:t>
             </a:fld>
             <a:endParaRPr lang="fr-FR" noProof="0"/>
           </a:p>
@@ -5768,7 +5768,7 @@
             <a:pPr rtl="0"/>
             <a:fld id="{FE9E2943-6345-49E8-B783-0A66EF9421BF}" type="datetime1">
               <a:rPr lang="fr-FR" noProof="0" smtClean="0"/>
-              <a:t>05/07/2023</a:t>
+              <a:t>06/07/2023</a:t>
             </a:fld>
             <a:endParaRPr lang="fr-FR" noProof="0"/>
           </a:p>
@@ -6200,7 +6200,7 @@
             <a:pPr rtl="0"/>
             <a:fld id="{E773B138-4BC2-48EB-B6B5-1F9010E477D6}" type="datetime1">
               <a:rPr lang="fr-FR" noProof="0" smtClean="0"/>
-              <a:t>05/07/2023</a:t>
+              <a:t>06/07/2023</a:t>
             </a:fld>
             <a:endParaRPr lang="fr-FR" noProof="0"/>
           </a:p>
@@ -6744,7 +6744,7 @@
             <a:pPr rtl="0"/>
             <a:fld id="{B4C8AC54-47E8-455F-B946-6C2146701BCA}" type="datetime1">
               <a:rPr lang="fr-FR" noProof="0" smtClean="0"/>
-              <a:t>05/07/2023</a:t>
+              <a:t>06/07/2023</a:t>
             </a:fld>
             <a:endParaRPr lang="fr-FR" noProof="0"/>
           </a:p>
@@ -7459,7 +7459,7 @@
             <a:pPr rtl="0"/>
             <a:fld id="{8B02EE67-FF17-4DF0-9829-ED602516B6AB}" type="datetime1">
               <a:rPr lang="fr-FR" noProof="0" smtClean="0"/>
-              <a:t>05/07/2023</a:t>
+              <a:t>06/07/2023</a:t>
             </a:fld>
             <a:endParaRPr lang="fr-FR" noProof="0"/>
           </a:p>
@@ -7626,7 +7626,7 @@
             <a:pPr rtl="0"/>
             <a:fld id="{CB00739E-7E62-4E1D-904B-086EE85DD8B1}" type="datetime1">
               <a:rPr lang="fr-FR" noProof="0" smtClean="0"/>
-              <a:t>05/07/2023</a:t>
+              <a:t>06/07/2023</a:t>
             </a:fld>
             <a:endParaRPr lang="fr-FR" noProof="0"/>
           </a:p>
@@ -7803,7 +7803,7 @@
             <a:pPr rtl="0"/>
             <a:fld id="{3AEC66CD-B356-4D5C-AD50-6BD69D931936}" type="datetime1">
               <a:rPr lang="fr-FR" noProof="0" smtClean="0"/>
-              <a:t>05/07/2023</a:t>
+              <a:t>06/07/2023</a:t>
             </a:fld>
             <a:endParaRPr lang="fr-FR" noProof="0"/>
           </a:p>
@@ -7970,7 +7970,7 @@
             <a:pPr rtl="0"/>
             <a:fld id="{BC35E71B-828B-42B2-8FFF-8F54F3728D31}" type="datetime1">
               <a:rPr lang="fr-FR" noProof="0" smtClean="0"/>
-              <a:t>05/07/2023</a:t>
+              <a:t>06/07/2023</a:t>
             </a:fld>
             <a:endParaRPr lang="fr-FR" noProof="0"/>
           </a:p>
@@ -8218,7 +8218,7 @@
             <a:pPr rtl="0"/>
             <a:fld id="{4D978BD7-C93B-4C81-8808-0602EEAA0D4F}" type="datetime1">
               <a:rPr lang="fr-FR" noProof="0" smtClean="0"/>
-              <a:t>05/07/2023</a:t>
+              <a:t>06/07/2023</a:t>
             </a:fld>
             <a:endParaRPr lang="fr-FR" noProof="0"/>
           </a:p>
@@ -8475,7 +8475,7 @@
             <a:pPr rtl="0"/>
             <a:fld id="{239D595D-8C95-4E32-87C5-13737C68A710}" type="datetime1">
               <a:rPr lang="fr-FR" noProof="0" smtClean="0"/>
-              <a:t>05/07/2023</a:t>
+              <a:t>06/07/2023</a:t>
             </a:fld>
             <a:endParaRPr lang="fr-FR" noProof="0"/>
           </a:p>
@@ -8852,7 +8852,7 @@
             <a:pPr rtl="0"/>
             <a:fld id="{84DA759D-04B2-44BC-90BE-4B87CBA3108B}" type="datetime1">
               <a:rPr lang="fr-FR" noProof="0" smtClean="0"/>
-              <a:t>05/07/2023</a:t>
+              <a:t>06/07/2023</a:t>
             </a:fld>
             <a:endParaRPr lang="fr-FR" noProof="0"/>
           </a:p>
@@ -8968,7 +8968,7 @@
             <a:pPr rtl="0"/>
             <a:fld id="{6A1026B5-A485-46D6-AB07-2FC62B781980}" type="datetime1">
               <a:rPr lang="fr-FR" noProof="0" smtClean="0"/>
-              <a:t>05/07/2023</a:t>
+              <a:t>06/07/2023</a:t>
             </a:fld>
             <a:endParaRPr lang="fr-FR" noProof="0"/>
           </a:p>
@@ -9061,7 +9061,7 @@
             <a:pPr rtl="0"/>
             <a:fld id="{EF0F356B-B2AC-4095-9654-914AF32EFF7B}" type="datetime1">
               <a:rPr lang="fr-FR" noProof="0" smtClean="0"/>
-              <a:t>05/07/2023</a:t>
+              <a:t>06/07/2023</a:t>
             </a:fld>
             <a:endParaRPr lang="fr-FR" noProof="0"/>
           </a:p>
@@ -9307,7 +9307,7 @@
             <a:pPr rtl="0"/>
             <a:fld id="{194F51B8-F97F-4B39-9088-1B1A9605BAAD}" type="datetime1">
               <a:rPr lang="fr-FR" noProof="0" smtClean="0"/>
-              <a:t>05/07/2023</a:t>
+              <a:t>06/07/2023</a:t>
             </a:fld>
             <a:endParaRPr lang="fr-FR" noProof="0"/>
           </a:p>
@@ -9585,7 +9585,7 @@
             <a:pPr rtl="0"/>
             <a:fld id="{2632467C-5233-4442-B487-3C3607DDD274}" type="datetime1">
               <a:rPr lang="fr-FR" noProof="0" smtClean="0"/>
-              <a:t>05/07/2023</a:t>
+              <a:t>06/07/2023</a:t>
             </a:fld>
             <a:endParaRPr lang="fr-FR" noProof="0"/>
           </a:p>
@@ -12683,7 +12683,7 @@
             <a:pPr rtl="0"/>
             <a:fld id="{0606F074-D86C-47E3-B58D-F95F5D2B8846}" type="datetime1">
               <a:rPr lang="fr-FR" noProof="0" smtClean="0"/>
-              <a:t>05/07/2023</a:t>
+              <a:t>06/07/2023</a:t>
             </a:fld>
             <a:endParaRPr lang="fr-FR" noProof="0" dirty="0"/>
           </a:p>
@@ -13515,356 +13515,6 @@
         </p:nvSpPr>
         <p:spPr>
           <a:xfrm>
-            <a:off x="1707941" y="1172816"/>
-            <a:ext cx="9769937" cy="5164227"/>
-          </a:xfrm>
-        </p:spPr>
-        <p:txBody>
-          <a:bodyPr>
-            <a:normAutofit/>
-          </a:bodyPr>
-          <a:lstStyle/>
-          <a:p>
-            <a:r>
-              <a:rPr lang="fr-FR" sz="2600" b="1" u="sng" dirty="0">
-                <a:latin typeface="+mj-lt"/>
-              </a:rPr>
-              <a:t>Technique</a:t>
-            </a:r>
-          </a:p>
-          <a:p>
-            <a:pPr marL="0" indent="0">
-              <a:buNone/>
-            </a:pPr>
-            <a:r>
-              <a:rPr lang="fr-FR" b="1" u="sng" dirty="0">
-                <a:latin typeface="+mj-lt"/>
-              </a:rPr>
-              <a:t>Structure</a:t>
-            </a:r>
-          </a:p>
-          <a:p>
-            <a:pPr>
-              <a:buFontTx/>
-              <a:buChar char="-"/>
-            </a:pPr>
-            <a:endParaRPr lang="fr-FR" b="1" dirty="0">
-              <a:latin typeface="+mj-lt"/>
-            </a:endParaRPr>
-          </a:p>
-          <a:p>
-            <a:pPr>
-              <a:buFontTx/>
-              <a:buChar char="-"/>
-            </a:pPr>
-            <a:endParaRPr lang="fr-FR" b="1" dirty="0">
-              <a:latin typeface="+mj-lt"/>
-            </a:endParaRPr>
-          </a:p>
-          <a:p>
-            <a:pPr marL="0" indent="0">
-              <a:buNone/>
-            </a:pPr>
-            <a:endParaRPr lang="fr-FR" b="1" dirty="0">
-              <a:latin typeface="+mj-lt"/>
-            </a:endParaRPr>
-          </a:p>
-          <a:p>
-            <a:pPr marL="0" indent="0">
-              <a:buNone/>
-            </a:pPr>
-            <a:endParaRPr lang="fr-FR" sz="1000" b="1" dirty="0">
-              <a:latin typeface="+mj-lt"/>
-            </a:endParaRPr>
-          </a:p>
-          <a:p>
-            <a:pPr marL="0" indent="0">
-              <a:buNone/>
-            </a:pPr>
-            <a:r>
-              <a:rPr lang="fr-FR" b="1" dirty="0">
-                <a:latin typeface="+mj-lt"/>
-              </a:rPr>
-              <a:t>                                             </a:t>
-            </a:r>
-            <a:r>
-              <a:rPr lang="fr-FR" b="1" dirty="0">
-                <a:latin typeface="Arial" panose="020B0604020202020204" pitchFamily="34" charset="0"/>
-                <a:cs typeface="Arial" panose="020B0604020202020204" pitchFamily="34" charset="0"/>
-              </a:rPr>
-              <a:t>→</a:t>
-            </a:r>
-            <a:r>
-              <a:rPr lang="fr-FR" b="1" dirty="0">
-                <a:latin typeface="+mj-lt"/>
-              </a:rPr>
-              <a:t> </a:t>
-            </a:r>
-            <a:r>
-              <a:rPr lang="fr-FR" dirty="0">
-                <a:latin typeface="+mj-lt"/>
-              </a:rPr>
-              <a:t>Structure claire et organisée</a:t>
-            </a:r>
-          </a:p>
-          <a:p>
-            <a:pPr marL="0" indent="0">
-              <a:buNone/>
-            </a:pPr>
-            <a:r>
-              <a:rPr lang="fr-FR" dirty="0">
-                <a:latin typeface="+mj-lt"/>
-              </a:rPr>
-              <a:t>                                          </a:t>
-            </a:r>
-            <a:r>
-              <a:rPr lang="fr-FR" b="1" dirty="0">
-                <a:latin typeface="+mj-lt"/>
-              </a:rPr>
-              <a:t> </a:t>
-            </a:r>
-            <a:r>
-              <a:rPr lang="fr-FR" b="1" dirty="0">
-                <a:latin typeface="Arial" panose="020B0604020202020204" pitchFamily="34" charset="0"/>
-                <a:cs typeface="Arial" panose="020B0604020202020204" pitchFamily="34" charset="0"/>
-              </a:rPr>
-              <a:t>→</a:t>
-            </a:r>
-            <a:r>
-              <a:rPr lang="fr-FR" b="1" dirty="0">
-                <a:latin typeface="+mj-lt"/>
-              </a:rPr>
-              <a:t> </a:t>
-            </a:r>
-            <a:r>
-              <a:rPr lang="fr-FR" dirty="0">
-                <a:latin typeface="+mj-lt"/>
-              </a:rPr>
-              <a:t>Facilite le travail collaboratif</a:t>
-            </a:r>
-          </a:p>
-          <a:p>
-            <a:pPr marL="0" indent="0">
-              <a:buNone/>
-            </a:pPr>
-            <a:r>
-              <a:rPr lang="fr-FR" b="1" dirty="0">
-                <a:latin typeface="+mj-lt"/>
-              </a:rPr>
-              <a:t>                                             </a:t>
-            </a:r>
-            <a:r>
-              <a:rPr lang="fr-FR" b="1" dirty="0">
-                <a:latin typeface="Arial" panose="020B0604020202020204" pitchFamily="34" charset="0"/>
-                <a:cs typeface="Arial" panose="020B0604020202020204" pitchFamily="34" charset="0"/>
-              </a:rPr>
-              <a:t>→</a:t>
-            </a:r>
-            <a:r>
-              <a:rPr lang="fr-FR" b="1" dirty="0">
-                <a:latin typeface="+mj-lt"/>
-              </a:rPr>
-              <a:t> </a:t>
-            </a:r>
-            <a:r>
-              <a:rPr lang="fr-FR" dirty="0">
-                <a:latin typeface="+mj-lt"/>
-              </a:rPr>
-              <a:t>Facilite la maintenance et l’évolution du code</a:t>
-            </a:r>
-          </a:p>
-        </p:txBody>
-      </p:sp>
-      <p:pic>
-        <p:nvPicPr>
-          <p:cNvPr id="10" name="Image 10" descr="Une image contenant texte, Graphique, capture d’écran, carte&#10;&#10;Description générée automatiquement">
-            <a:extLst>
-              <a:ext uri="{FF2B5EF4-FFF2-40B4-BE49-F238E27FC236}">
-                <a16:creationId xmlns:a16="http://schemas.microsoft.com/office/drawing/2014/main" id="{AC83E2BB-27EC-45DD-3C58-FEB30DEE11DC}"/>
-              </a:ext>
-            </a:extLst>
-          </p:cNvPr>
-          <p:cNvPicPr>
-            <a:picLocks noGrp="1" noChangeAspect="1"/>
-          </p:cNvPicPr>
-          <p:nvPr>
-            <p:ph sz="half" idx="2"/>
-          </p:nvPr>
-        </p:nvPicPr>
-        <p:blipFill>
-          <a:blip r:embed="rId2"/>
-          <a:stretch>
-            <a:fillRect/>
-          </a:stretch>
-        </p:blipFill>
-        <p:spPr>
-          <a:xfrm>
-            <a:off x="8316685" y="-173329"/>
-            <a:ext cx="3019372" cy="1898655"/>
-          </a:xfrm>
-        </p:spPr>
-      </p:pic>
-      <p:pic>
-        <p:nvPicPr>
-          <p:cNvPr id="6" name="Image 5">
-            <a:extLst>
-              <a:ext uri="{FF2B5EF4-FFF2-40B4-BE49-F238E27FC236}">
-                <a16:creationId xmlns:a16="http://schemas.microsoft.com/office/drawing/2014/main" id="{352B6B41-3602-48C2-AAF6-99694FAC4F07}"/>
-              </a:ext>
-            </a:extLst>
-          </p:cNvPr>
-          <p:cNvPicPr>
-            <a:picLocks noChangeAspect="1"/>
-          </p:cNvPicPr>
-          <p:nvPr/>
-        </p:nvPicPr>
-        <p:blipFill>
-          <a:blip r:embed="rId3"/>
-          <a:stretch>
-            <a:fillRect/>
-          </a:stretch>
-        </p:blipFill>
-        <p:spPr>
-          <a:xfrm>
-            <a:off x="1529131" y="2500259"/>
-            <a:ext cx="3060000" cy="3060000"/>
-          </a:xfrm>
-          <a:prstGeom prst="rect">
-            <a:avLst/>
-          </a:prstGeom>
-          <a:ln>
-            <a:noFill/>
-          </a:ln>
-          <a:effectLst>
-            <a:outerShdw blurRad="292100" dist="139700" dir="2700000" algn="tl" rotWithShape="0">
-              <a:srgbClr val="333333">
-                <a:alpha val="65000"/>
-              </a:srgbClr>
-            </a:outerShdw>
-          </a:effectLst>
-        </p:spPr>
-      </p:pic>
-      <p:pic>
-        <p:nvPicPr>
-          <p:cNvPr id="12" name="Image 11">
-            <a:extLst>
-              <a:ext uri="{FF2B5EF4-FFF2-40B4-BE49-F238E27FC236}">
-                <a16:creationId xmlns:a16="http://schemas.microsoft.com/office/drawing/2014/main" id="{AF2BEA5C-7256-4BB2-AAB9-70517B944123}"/>
-              </a:ext>
-            </a:extLst>
-          </p:cNvPr>
-          <p:cNvPicPr>
-            <a:picLocks noChangeAspect="1"/>
-          </p:cNvPicPr>
-          <p:nvPr/>
-        </p:nvPicPr>
-        <p:blipFill>
-          <a:blip r:embed="rId4"/>
-          <a:stretch>
-            <a:fillRect/>
-          </a:stretch>
-        </p:blipFill>
-        <p:spPr>
-          <a:xfrm>
-            <a:off x="5796169" y="1646054"/>
-            <a:ext cx="3924640" cy="2209992"/>
-          </a:xfrm>
-          <a:prstGeom prst="rect">
-            <a:avLst/>
-          </a:prstGeom>
-          <a:ln>
-            <a:noFill/>
-          </a:ln>
-          <a:effectLst>
-            <a:outerShdw blurRad="292100" dist="139700" dir="2700000" algn="tl" rotWithShape="0">
-              <a:srgbClr val="333333">
-                <a:alpha val="65000"/>
-              </a:srgbClr>
-            </a:outerShdw>
-          </a:effectLst>
-        </p:spPr>
-      </p:pic>
-    </p:spTree>
-    <p:extLst>
-      <p:ext uri="{BB962C8B-B14F-4D97-AF65-F5344CB8AC3E}">
-        <p14:creationId xmlns:p14="http://schemas.microsoft.com/office/powerpoint/2010/main" val="397826279"/>
-      </p:ext>
-    </p:extLst>
-  </p:cSld>
-  <p:clrMapOvr>
-    <a:masterClrMapping/>
-  </p:clrMapOvr>
-</p:sld>
-</file>
-
-<file path=ppt/slides/slide11.xml><?xml version="1.0" encoding="utf-8"?>
-<p:sld xmlns:a="http://schemas.openxmlformats.org/drawingml/2006/main" xmlns:r="http://schemas.openxmlformats.org/officeDocument/2006/relationships" xmlns:p="http://schemas.openxmlformats.org/presentationml/2006/main">
-  <p:cSld>
-    <p:spTree>
-      <p:nvGrpSpPr>
-        <p:cNvPr id="1" name=""/>
-        <p:cNvGrpSpPr/>
-        <p:nvPr/>
-      </p:nvGrpSpPr>
-      <p:grpSpPr>
-        <a:xfrm>
-          <a:off x="0" y="0"/>
-          <a:ext cx="0" cy="0"/>
-          <a:chOff x="0" y="0"/>
-          <a:chExt cx="0" cy="0"/>
-        </a:xfrm>
-      </p:grpSpPr>
-      <p:sp>
-        <p:nvSpPr>
-          <p:cNvPr id="2" name="Titre 1">
-            <a:extLst>
-              <a:ext uri="{FF2B5EF4-FFF2-40B4-BE49-F238E27FC236}">
-                <a16:creationId xmlns:a16="http://schemas.microsoft.com/office/drawing/2014/main" id="{D35F439C-3518-B887-2F06-5C4EEA3839BB}"/>
-              </a:ext>
-            </a:extLst>
-          </p:cNvPr>
-          <p:cNvSpPr>
-            <a:spLocks noGrp="1"/>
-          </p:cNvSpPr>
-          <p:nvPr>
-            <p:ph type="title"/>
-          </p:nvPr>
-        </p:nvSpPr>
-        <p:spPr>
-          <a:xfrm>
-            <a:off x="1141410" y="-46160"/>
-            <a:ext cx="7693740" cy="1478570"/>
-          </a:xfrm>
-        </p:spPr>
-        <p:txBody>
-          <a:bodyPr/>
-          <a:lstStyle/>
-          <a:p>
-            <a:r>
-              <a:rPr lang="fr-FR" b="1" dirty="0"/>
-              <a:t>LE SITE WEB</a:t>
-            </a:r>
-          </a:p>
-        </p:txBody>
-      </p:sp>
-      <p:sp>
-        <p:nvSpPr>
-          <p:cNvPr id="3" name="Espace réservé du contenu 2">
-            <a:extLst>
-              <a:ext uri="{FF2B5EF4-FFF2-40B4-BE49-F238E27FC236}">
-                <a16:creationId xmlns:a16="http://schemas.microsoft.com/office/drawing/2014/main" id="{3C2FCE08-9ADD-7598-4D3E-D8DA71AF15F2}"/>
-              </a:ext>
-            </a:extLst>
-          </p:cNvPr>
-          <p:cNvSpPr>
-            <a:spLocks noGrp="1"/>
-          </p:cNvSpPr>
-          <p:nvPr>
-            <p:ph sz="half" idx="1"/>
-          </p:nvPr>
-        </p:nvSpPr>
-        <p:spPr>
-          <a:xfrm>
             <a:off x="855944" y="1204536"/>
             <a:ext cx="10055404" cy="5336224"/>
           </a:xfrm>
@@ -14134,7 +13784,7 @@
 </p:sld>
 </file>
 
-<file path=ppt/slides/slide12.xml><?xml version="1.0" encoding="utf-8"?>
+<file path=ppt/slides/slide11.xml><?xml version="1.0" encoding="utf-8"?>
 <p:sld xmlns:a="http://schemas.openxmlformats.org/drawingml/2006/main" xmlns:r="http://schemas.openxmlformats.org/officeDocument/2006/relationships" xmlns:p="http://schemas.openxmlformats.org/presentationml/2006/main">
   <p:cSld>
     <p:spTree>
@@ -14429,7 +14079,7 @@
 </p:sld>
 </file>
 
-<file path=ppt/slides/slide13.xml><?xml version="1.0" encoding="utf-8"?>
+<file path=ppt/slides/slide12.xml><?xml version="1.0" encoding="utf-8"?>
 <p:sld xmlns:a="http://schemas.openxmlformats.org/drawingml/2006/main" xmlns:r="http://schemas.openxmlformats.org/officeDocument/2006/relationships" xmlns:p="http://schemas.openxmlformats.org/presentationml/2006/main">
   <p:cSld>
     <p:spTree>
@@ -14715,6 +14365,138 @@
     <p:extLst>
       <p:ext uri="{BB962C8B-B14F-4D97-AF65-F5344CB8AC3E}">
         <p14:creationId xmlns:p14="http://schemas.microsoft.com/office/powerpoint/2010/main" val="4247896714"/>
+      </p:ext>
+    </p:extLst>
+  </p:cSld>
+  <p:clrMapOvr>
+    <a:masterClrMapping/>
+  </p:clrMapOvr>
+</p:sld>
+</file>
+
+<file path=ppt/slides/slide13.xml><?xml version="1.0" encoding="utf-8"?>
+<p:sld xmlns:a="http://schemas.openxmlformats.org/drawingml/2006/main" xmlns:r="http://schemas.openxmlformats.org/officeDocument/2006/relationships" xmlns:p="http://schemas.openxmlformats.org/presentationml/2006/main">
+  <p:cSld>
+    <p:spTree>
+      <p:nvGrpSpPr>
+        <p:cNvPr id="1" name=""/>
+        <p:cNvGrpSpPr/>
+        <p:nvPr/>
+      </p:nvGrpSpPr>
+      <p:grpSpPr>
+        <a:xfrm>
+          <a:off x="0" y="0"/>
+          <a:ext cx="0" cy="0"/>
+          <a:chOff x="0" y="0"/>
+          <a:chExt cx="0" cy="0"/>
+        </a:xfrm>
+      </p:grpSpPr>
+      <p:sp>
+        <p:nvSpPr>
+          <p:cNvPr id="2" name="Titre 1">
+            <a:extLst>
+              <a:ext uri="{FF2B5EF4-FFF2-40B4-BE49-F238E27FC236}">
+                <a16:creationId xmlns:a16="http://schemas.microsoft.com/office/drawing/2014/main" id="{D35F439C-3518-B887-2F06-5C4EEA3839BB}"/>
+              </a:ext>
+            </a:extLst>
+          </p:cNvPr>
+          <p:cNvSpPr>
+            <a:spLocks noGrp="1"/>
+          </p:cNvSpPr>
+          <p:nvPr>
+            <p:ph type="title"/>
+          </p:nvPr>
+        </p:nvSpPr>
+        <p:spPr>
+          <a:xfrm>
+            <a:off x="1220923" y="-293514"/>
+            <a:ext cx="7693740" cy="1478570"/>
+          </a:xfrm>
+        </p:spPr>
+        <p:txBody>
+          <a:bodyPr/>
+          <a:lstStyle/>
+          <a:p>
+            <a:r>
+              <a:rPr lang="fr-FR" b="1" dirty="0"/>
+              <a:t>LE SITE WEB</a:t>
+            </a:r>
+          </a:p>
+        </p:txBody>
+      </p:sp>
+      <p:pic>
+        <p:nvPicPr>
+          <p:cNvPr id="10" name="Image 10" descr="Une image contenant texte, Graphique, capture d’écran, carte&#10;&#10;Description générée automatiquement">
+            <a:extLst>
+              <a:ext uri="{FF2B5EF4-FFF2-40B4-BE49-F238E27FC236}">
+                <a16:creationId xmlns:a16="http://schemas.microsoft.com/office/drawing/2014/main" id="{AC83E2BB-27EC-45DD-3C58-FEB30DEE11DC}"/>
+              </a:ext>
+            </a:extLst>
+          </p:cNvPr>
+          <p:cNvPicPr>
+            <a:picLocks noGrp="1" noChangeAspect="1"/>
+          </p:cNvPicPr>
+          <p:nvPr>
+            <p:ph sz="half" idx="2"/>
+          </p:nvPr>
+        </p:nvPicPr>
+        <p:blipFill>
+          <a:blip r:embed="rId2"/>
+          <a:stretch>
+            <a:fillRect/>
+          </a:stretch>
+        </p:blipFill>
+        <p:spPr>
+          <a:xfrm>
+            <a:off x="8316685" y="-173329"/>
+            <a:ext cx="3019372" cy="1898655"/>
+          </a:xfrm>
+        </p:spPr>
+      </p:pic>
+      <p:pic>
+        <p:nvPicPr>
+          <p:cNvPr id="8" name="Image 7">
+            <a:extLst>
+              <a:ext uri="{FF2B5EF4-FFF2-40B4-BE49-F238E27FC236}">
+                <a16:creationId xmlns:a16="http://schemas.microsoft.com/office/drawing/2014/main" id="{5E6DC11A-9F26-48C4-8F1B-3A93045BBFC4}"/>
+              </a:ext>
+            </a:extLst>
+          </p:cNvPr>
+          <p:cNvPicPr>
+            <a:picLocks noChangeAspect="1"/>
+          </p:cNvPicPr>
+          <p:nvPr/>
+        </p:nvPicPr>
+        <p:blipFill>
+          <a:blip r:embed="rId3"/>
+          <a:stretch>
+            <a:fillRect/>
+          </a:stretch>
+        </p:blipFill>
+        <p:spPr>
+          <a:xfrm>
+            <a:off x="3290915" y="2078697"/>
+            <a:ext cx="5025770" cy="3312000"/>
+          </a:xfrm>
+          <a:prstGeom prst="rect">
+            <a:avLst/>
+          </a:prstGeom>
+          <a:ln>
+            <a:noFill/>
+          </a:ln>
+          <a:effectLst>
+            <a:outerShdw blurRad="292100" dist="139700" dir="2700000" algn="tl" rotWithShape="0">
+              <a:srgbClr val="333333">
+                <a:alpha val="65000"/>
+              </a:srgbClr>
+            </a:outerShdw>
+          </a:effectLst>
+        </p:spPr>
+      </p:pic>
+    </p:spTree>
+    <p:extLst>
+      <p:ext uri="{BB962C8B-B14F-4D97-AF65-F5344CB8AC3E}">
+        <p14:creationId xmlns:p14="http://schemas.microsoft.com/office/powerpoint/2010/main" val="4062480172"/>
       </p:ext>
     </p:extLst>
   </p:cSld>
@@ -16209,8 +15991,17 @@
               <a:rPr lang="fr-FR" dirty="0">
                 <a:latin typeface="+mj-lt"/>
               </a:rPr>
-              <a:t>Des interactions entre l’utilisateur et l’administrateur.</a:t>
-            </a:r>
+              <a:t>Des interactions entre l’utilisateur, le site </a:t>
+            </a:r>
+            <a:r>
+              <a:rPr lang="fr-FR">
+                <a:latin typeface="+mj-lt"/>
+              </a:rPr>
+              <a:t>et l’administrateur.</a:t>
+            </a:r>
+            <a:endParaRPr lang="fr-FR" dirty="0">
+              <a:latin typeface="+mj-lt"/>
+            </a:endParaRPr>
           </a:p>
           <a:p>
             <a:pPr>
@@ -18079,138 +17870,6 @@
         </p:nvSpPr>
         <p:spPr>
           <a:xfrm>
-            <a:off x="1220923" y="-293514"/>
-            <a:ext cx="7693740" cy="1478570"/>
-          </a:xfrm>
-        </p:spPr>
-        <p:txBody>
-          <a:bodyPr/>
-          <a:lstStyle/>
-          <a:p>
-            <a:r>
-              <a:rPr lang="fr-FR" b="1" dirty="0"/>
-              <a:t>LE SITE WEB</a:t>
-            </a:r>
-          </a:p>
-        </p:txBody>
-      </p:sp>
-      <p:pic>
-        <p:nvPicPr>
-          <p:cNvPr id="10" name="Image 10" descr="Une image contenant texte, Graphique, capture d’écran, carte&#10;&#10;Description générée automatiquement">
-            <a:extLst>
-              <a:ext uri="{FF2B5EF4-FFF2-40B4-BE49-F238E27FC236}">
-                <a16:creationId xmlns:a16="http://schemas.microsoft.com/office/drawing/2014/main" id="{AC83E2BB-27EC-45DD-3C58-FEB30DEE11DC}"/>
-              </a:ext>
-            </a:extLst>
-          </p:cNvPr>
-          <p:cNvPicPr>
-            <a:picLocks noGrp="1" noChangeAspect="1"/>
-          </p:cNvPicPr>
-          <p:nvPr>
-            <p:ph sz="half" idx="2"/>
-          </p:nvPr>
-        </p:nvPicPr>
-        <p:blipFill>
-          <a:blip r:embed="rId2"/>
-          <a:stretch>
-            <a:fillRect/>
-          </a:stretch>
-        </p:blipFill>
-        <p:spPr>
-          <a:xfrm>
-            <a:off x="8316685" y="-173329"/>
-            <a:ext cx="3019372" cy="1898655"/>
-          </a:xfrm>
-        </p:spPr>
-      </p:pic>
-      <p:pic>
-        <p:nvPicPr>
-          <p:cNvPr id="8" name="Image 7">
-            <a:extLst>
-              <a:ext uri="{FF2B5EF4-FFF2-40B4-BE49-F238E27FC236}">
-                <a16:creationId xmlns:a16="http://schemas.microsoft.com/office/drawing/2014/main" id="{5E6DC11A-9F26-48C4-8F1B-3A93045BBFC4}"/>
-              </a:ext>
-            </a:extLst>
-          </p:cNvPr>
-          <p:cNvPicPr>
-            <a:picLocks noChangeAspect="1"/>
-          </p:cNvPicPr>
-          <p:nvPr/>
-        </p:nvPicPr>
-        <p:blipFill>
-          <a:blip r:embed="rId3"/>
-          <a:stretch>
-            <a:fillRect/>
-          </a:stretch>
-        </p:blipFill>
-        <p:spPr>
-          <a:xfrm>
-            <a:off x="3290915" y="2078697"/>
-            <a:ext cx="5025770" cy="3312000"/>
-          </a:xfrm>
-          <a:prstGeom prst="rect">
-            <a:avLst/>
-          </a:prstGeom>
-          <a:ln>
-            <a:noFill/>
-          </a:ln>
-          <a:effectLst>
-            <a:outerShdw blurRad="292100" dist="139700" dir="2700000" algn="tl" rotWithShape="0">
-              <a:srgbClr val="333333">
-                <a:alpha val="65000"/>
-              </a:srgbClr>
-            </a:outerShdw>
-          </a:effectLst>
-        </p:spPr>
-      </p:pic>
-    </p:spTree>
-    <p:extLst>
-      <p:ext uri="{BB962C8B-B14F-4D97-AF65-F5344CB8AC3E}">
-        <p14:creationId xmlns:p14="http://schemas.microsoft.com/office/powerpoint/2010/main" val="4062480172"/>
-      </p:ext>
-    </p:extLst>
-  </p:cSld>
-  <p:clrMapOvr>
-    <a:masterClrMapping/>
-  </p:clrMapOvr>
-</p:sld>
-</file>
-
-<file path=ppt/slides/slide9.xml><?xml version="1.0" encoding="utf-8"?>
-<p:sld xmlns:a="http://schemas.openxmlformats.org/drawingml/2006/main" xmlns:r="http://schemas.openxmlformats.org/officeDocument/2006/relationships" xmlns:p="http://schemas.openxmlformats.org/presentationml/2006/main">
-  <p:cSld>
-    <p:spTree>
-      <p:nvGrpSpPr>
-        <p:cNvPr id="1" name=""/>
-        <p:cNvGrpSpPr/>
-        <p:nvPr/>
-      </p:nvGrpSpPr>
-      <p:grpSpPr>
-        <a:xfrm>
-          <a:off x="0" y="0"/>
-          <a:ext cx="0" cy="0"/>
-          <a:chOff x="0" y="0"/>
-          <a:chExt cx="0" cy="0"/>
-        </a:xfrm>
-      </p:grpSpPr>
-      <p:sp>
-        <p:nvSpPr>
-          <p:cNvPr id="2" name="Titre 1">
-            <a:extLst>
-              <a:ext uri="{FF2B5EF4-FFF2-40B4-BE49-F238E27FC236}">
-                <a16:creationId xmlns:a16="http://schemas.microsoft.com/office/drawing/2014/main" id="{D35F439C-3518-B887-2F06-5C4EEA3839BB}"/>
-              </a:ext>
-            </a:extLst>
-          </p:cNvPr>
-          <p:cNvSpPr>
-            <a:spLocks noGrp="1"/>
-          </p:cNvSpPr>
-          <p:nvPr>
-            <p:ph type="title"/>
-          </p:nvPr>
-        </p:nvSpPr>
-        <p:spPr>
-          <a:xfrm>
             <a:off x="1141410" y="-46160"/>
             <a:ext cx="7693740" cy="1478570"/>
           </a:xfrm>
@@ -18492,6 +18151,356 @@
     <p:extLst>
       <p:ext uri="{BB962C8B-B14F-4D97-AF65-F5344CB8AC3E}">
         <p14:creationId xmlns:p14="http://schemas.microsoft.com/office/powerpoint/2010/main" val="1369910176"/>
+      </p:ext>
+    </p:extLst>
+  </p:cSld>
+  <p:clrMapOvr>
+    <a:masterClrMapping/>
+  </p:clrMapOvr>
+</p:sld>
+</file>
+
+<file path=ppt/slides/slide9.xml><?xml version="1.0" encoding="utf-8"?>
+<p:sld xmlns:a="http://schemas.openxmlformats.org/drawingml/2006/main" xmlns:r="http://schemas.openxmlformats.org/officeDocument/2006/relationships" xmlns:p="http://schemas.openxmlformats.org/presentationml/2006/main">
+  <p:cSld>
+    <p:spTree>
+      <p:nvGrpSpPr>
+        <p:cNvPr id="1" name=""/>
+        <p:cNvGrpSpPr/>
+        <p:nvPr/>
+      </p:nvGrpSpPr>
+      <p:grpSpPr>
+        <a:xfrm>
+          <a:off x="0" y="0"/>
+          <a:ext cx="0" cy="0"/>
+          <a:chOff x="0" y="0"/>
+          <a:chExt cx="0" cy="0"/>
+        </a:xfrm>
+      </p:grpSpPr>
+      <p:sp>
+        <p:nvSpPr>
+          <p:cNvPr id="2" name="Titre 1">
+            <a:extLst>
+              <a:ext uri="{FF2B5EF4-FFF2-40B4-BE49-F238E27FC236}">
+                <a16:creationId xmlns:a16="http://schemas.microsoft.com/office/drawing/2014/main" id="{D35F439C-3518-B887-2F06-5C4EEA3839BB}"/>
+              </a:ext>
+            </a:extLst>
+          </p:cNvPr>
+          <p:cNvSpPr>
+            <a:spLocks noGrp="1"/>
+          </p:cNvSpPr>
+          <p:nvPr>
+            <p:ph type="title"/>
+          </p:nvPr>
+        </p:nvSpPr>
+        <p:spPr>
+          <a:xfrm>
+            <a:off x="1141410" y="-46160"/>
+            <a:ext cx="7693740" cy="1478570"/>
+          </a:xfrm>
+        </p:spPr>
+        <p:txBody>
+          <a:bodyPr/>
+          <a:lstStyle/>
+          <a:p>
+            <a:r>
+              <a:rPr lang="fr-FR" b="1" dirty="0"/>
+              <a:t>LE SITE WEB</a:t>
+            </a:r>
+          </a:p>
+        </p:txBody>
+      </p:sp>
+      <p:sp>
+        <p:nvSpPr>
+          <p:cNvPr id="3" name="Espace réservé du contenu 2">
+            <a:extLst>
+              <a:ext uri="{FF2B5EF4-FFF2-40B4-BE49-F238E27FC236}">
+                <a16:creationId xmlns:a16="http://schemas.microsoft.com/office/drawing/2014/main" id="{3C2FCE08-9ADD-7598-4D3E-D8DA71AF15F2}"/>
+              </a:ext>
+            </a:extLst>
+          </p:cNvPr>
+          <p:cNvSpPr>
+            <a:spLocks noGrp="1"/>
+          </p:cNvSpPr>
+          <p:nvPr>
+            <p:ph sz="half" idx="1"/>
+          </p:nvPr>
+        </p:nvSpPr>
+        <p:spPr>
+          <a:xfrm>
+            <a:off x="1707941" y="1172816"/>
+            <a:ext cx="9769937" cy="5164227"/>
+          </a:xfrm>
+        </p:spPr>
+        <p:txBody>
+          <a:bodyPr>
+            <a:normAutofit/>
+          </a:bodyPr>
+          <a:lstStyle/>
+          <a:p>
+            <a:r>
+              <a:rPr lang="fr-FR" sz="2600" b="1" u="sng" dirty="0">
+                <a:latin typeface="+mj-lt"/>
+              </a:rPr>
+              <a:t>Technique</a:t>
+            </a:r>
+          </a:p>
+          <a:p>
+            <a:pPr marL="0" indent="0">
+              <a:buNone/>
+            </a:pPr>
+            <a:r>
+              <a:rPr lang="fr-FR" b="1" u="sng" dirty="0">
+                <a:latin typeface="+mj-lt"/>
+              </a:rPr>
+              <a:t>Structure</a:t>
+            </a:r>
+          </a:p>
+          <a:p>
+            <a:pPr>
+              <a:buFontTx/>
+              <a:buChar char="-"/>
+            </a:pPr>
+            <a:endParaRPr lang="fr-FR" b="1" dirty="0">
+              <a:latin typeface="+mj-lt"/>
+            </a:endParaRPr>
+          </a:p>
+          <a:p>
+            <a:pPr>
+              <a:buFontTx/>
+              <a:buChar char="-"/>
+            </a:pPr>
+            <a:endParaRPr lang="fr-FR" b="1" dirty="0">
+              <a:latin typeface="+mj-lt"/>
+            </a:endParaRPr>
+          </a:p>
+          <a:p>
+            <a:pPr marL="0" indent="0">
+              <a:buNone/>
+            </a:pPr>
+            <a:endParaRPr lang="fr-FR" b="1" dirty="0">
+              <a:latin typeface="+mj-lt"/>
+            </a:endParaRPr>
+          </a:p>
+          <a:p>
+            <a:pPr marL="0" indent="0">
+              <a:buNone/>
+            </a:pPr>
+            <a:endParaRPr lang="fr-FR" sz="1000" b="1" dirty="0">
+              <a:latin typeface="+mj-lt"/>
+            </a:endParaRPr>
+          </a:p>
+          <a:p>
+            <a:pPr marL="0" indent="0">
+              <a:buNone/>
+            </a:pPr>
+            <a:r>
+              <a:rPr lang="fr-FR" b="1" dirty="0">
+                <a:latin typeface="+mj-lt"/>
+              </a:rPr>
+              <a:t>                                             </a:t>
+            </a:r>
+            <a:r>
+              <a:rPr lang="fr-FR" b="1" dirty="0">
+                <a:latin typeface="Arial" panose="020B0604020202020204" pitchFamily="34" charset="0"/>
+                <a:cs typeface="Arial" panose="020B0604020202020204" pitchFamily="34" charset="0"/>
+              </a:rPr>
+              <a:t>→</a:t>
+            </a:r>
+            <a:r>
+              <a:rPr lang="fr-FR" b="1" dirty="0">
+                <a:latin typeface="+mj-lt"/>
+              </a:rPr>
+              <a:t> </a:t>
+            </a:r>
+            <a:r>
+              <a:rPr lang="fr-FR" dirty="0">
+                <a:latin typeface="+mj-lt"/>
+              </a:rPr>
+              <a:t>Structure claire et organisée</a:t>
+            </a:r>
+          </a:p>
+          <a:p>
+            <a:pPr marL="0" indent="0">
+              <a:buNone/>
+            </a:pPr>
+            <a:r>
+              <a:rPr lang="fr-FR" dirty="0">
+                <a:latin typeface="+mj-lt"/>
+              </a:rPr>
+              <a:t>                                          </a:t>
+            </a:r>
+            <a:r>
+              <a:rPr lang="fr-FR" b="1" dirty="0">
+                <a:latin typeface="+mj-lt"/>
+              </a:rPr>
+              <a:t> </a:t>
+            </a:r>
+            <a:r>
+              <a:rPr lang="fr-FR" b="1" dirty="0">
+                <a:latin typeface="Arial" panose="020B0604020202020204" pitchFamily="34" charset="0"/>
+                <a:cs typeface="Arial" panose="020B0604020202020204" pitchFamily="34" charset="0"/>
+              </a:rPr>
+              <a:t>→</a:t>
+            </a:r>
+            <a:r>
+              <a:rPr lang="fr-FR" b="1" dirty="0">
+                <a:latin typeface="+mj-lt"/>
+              </a:rPr>
+              <a:t> </a:t>
+            </a:r>
+            <a:r>
+              <a:rPr lang="fr-FR" dirty="0">
+                <a:latin typeface="+mj-lt"/>
+              </a:rPr>
+              <a:t>Facilite le travail collaboratif</a:t>
+            </a:r>
+          </a:p>
+          <a:p>
+            <a:pPr marL="0" indent="0">
+              <a:buNone/>
+            </a:pPr>
+            <a:r>
+              <a:rPr lang="fr-FR" b="1" dirty="0">
+                <a:latin typeface="+mj-lt"/>
+              </a:rPr>
+              <a:t>                                             </a:t>
+            </a:r>
+            <a:r>
+              <a:rPr lang="fr-FR" b="1" dirty="0">
+                <a:latin typeface="Arial" panose="020B0604020202020204" pitchFamily="34" charset="0"/>
+                <a:cs typeface="Arial" panose="020B0604020202020204" pitchFamily="34" charset="0"/>
+              </a:rPr>
+              <a:t>→</a:t>
+            </a:r>
+            <a:r>
+              <a:rPr lang="fr-FR" b="1" dirty="0">
+                <a:latin typeface="+mj-lt"/>
+              </a:rPr>
+              <a:t> </a:t>
+            </a:r>
+            <a:r>
+              <a:rPr lang="fr-FR" dirty="0">
+                <a:latin typeface="+mj-lt"/>
+              </a:rPr>
+              <a:t>Facilite la maintenance et l’évolution du code</a:t>
+            </a:r>
+          </a:p>
+        </p:txBody>
+      </p:sp>
+      <p:pic>
+        <p:nvPicPr>
+          <p:cNvPr id="10" name="Image 10" descr="Une image contenant texte, Graphique, capture d’écran, carte&#10;&#10;Description générée automatiquement">
+            <a:extLst>
+              <a:ext uri="{FF2B5EF4-FFF2-40B4-BE49-F238E27FC236}">
+                <a16:creationId xmlns:a16="http://schemas.microsoft.com/office/drawing/2014/main" id="{AC83E2BB-27EC-45DD-3C58-FEB30DEE11DC}"/>
+              </a:ext>
+            </a:extLst>
+          </p:cNvPr>
+          <p:cNvPicPr>
+            <a:picLocks noGrp="1" noChangeAspect="1"/>
+          </p:cNvPicPr>
+          <p:nvPr>
+            <p:ph sz="half" idx="2"/>
+          </p:nvPr>
+        </p:nvPicPr>
+        <p:blipFill>
+          <a:blip r:embed="rId2"/>
+          <a:stretch>
+            <a:fillRect/>
+          </a:stretch>
+        </p:blipFill>
+        <p:spPr>
+          <a:xfrm>
+            <a:off x="8316685" y="-173329"/>
+            <a:ext cx="3019372" cy="1898655"/>
+          </a:xfrm>
+        </p:spPr>
+      </p:pic>
+      <p:pic>
+        <p:nvPicPr>
+          <p:cNvPr id="6" name="Image 5">
+            <a:extLst>
+              <a:ext uri="{FF2B5EF4-FFF2-40B4-BE49-F238E27FC236}">
+                <a16:creationId xmlns:a16="http://schemas.microsoft.com/office/drawing/2014/main" id="{352B6B41-3602-48C2-AAF6-99694FAC4F07}"/>
+              </a:ext>
+            </a:extLst>
+          </p:cNvPr>
+          <p:cNvPicPr>
+            <a:picLocks noChangeAspect="1"/>
+          </p:cNvPicPr>
+          <p:nvPr/>
+        </p:nvPicPr>
+        <p:blipFill>
+          <a:blip r:embed="rId3"/>
+          <a:stretch>
+            <a:fillRect/>
+          </a:stretch>
+        </p:blipFill>
+        <p:spPr>
+          <a:xfrm>
+            <a:off x="1529131" y="2500259"/>
+            <a:ext cx="3060000" cy="3060000"/>
+          </a:xfrm>
+          <a:prstGeom prst="rect">
+            <a:avLst/>
+          </a:prstGeom>
+          <a:ln>
+            <a:noFill/>
+          </a:ln>
+          <a:effectLst>
+            <a:outerShdw blurRad="292100" dist="139700" dir="2700000" algn="tl" rotWithShape="0">
+              <a:srgbClr val="333333">
+                <a:alpha val="65000"/>
+              </a:srgbClr>
+            </a:outerShdw>
+          </a:effectLst>
+        </p:spPr>
+      </p:pic>
+      <p:pic>
+        <p:nvPicPr>
+          <p:cNvPr id="12" name="Image 11">
+            <a:extLst>
+              <a:ext uri="{FF2B5EF4-FFF2-40B4-BE49-F238E27FC236}">
+                <a16:creationId xmlns:a16="http://schemas.microsoft.com/office/drawing/2014/main" id="{AF2BEA5C-7256-4BB2-AAB9-70517B944123}"/>
+              </a:ext>
+            </a:extLst>
+          </p:cNvPr>
+          <p:cNvPicPr>
+            <a:picLocks noChangeAspect="1"/>
+          </p:cNvPicPr>
+          <p:nvPr/>
+        </p:nvPicPr>
+        <p:blipFill>
+          <a:blip r:embed="rId4"/>
+          <a:stretch>
+            <a:fillRect/>
+          </a:stretch>
+        </p:blipFill>
+        <p:spPr>
+          <a:xfrm>
+            <a:off x="5796169" y="1646054"/>
+            <a:ext cx="3924640" cy="2209992"/>
+          </a:xfrm>
+          <a:prstGeom prst="rect">
+            <a:avLst/>
+          </a:prstGeom>
+          <a:ln>
+            <a:noFill/>
+          </a:ln>
+          <a:effectLst>
+            <a:outerShdw blurRad="292100" dist="139700" dir="2700000" algn="tl" rotWithShape="0">
+              <a:srgbClr val="333333">
+                <a:alpha val="65000"/>
+              </a:srgbClr>
+            </a:outerShdw>
+          </a:effectLst>
+        </p:spPr>
+      </p:pic>
+    </p:spTree>
+    <p:extLst>
+      <p:ext uri="{BB962C8B-B14F-4D97-AF65-F5344CB8AC3E}">
+        <p14:creationId xmlns:p14="http://schemas.microsoft.com/office/powerpoint/2010/main" val="397826279"/>
       </p:ext>
     </p:extLst>
   </p:cSld>
